--- a/01 vueJs入门.pptx
+++ b/01 vueJs入门.pptx
@@ -8772,7 +8772,7 @@
               <a:t>.   </a:t>
             </a:r>
             <a:r>
-              <a:rPr lang="zh-CN" altLang="en-US" sz="2800" dirty="0" smtClean="0">
+              <a:rPr lang="en-US" altLang="zh-CN" sz="2800" dirty="0" smtClean="0">
                 <a:solidFill>
                   <a:schemeClr val="tx2"/>
                 </a:solidFill>
@@ -8780,10 +8780,10 @@
                 <a:ea typeface="微软雅黑" panose="020B0503020204020204" charset="-122"/>
                 <a:cs typeface="微软雅黑" panose="020B0503020204020204" charset="-122"/>
               </a:rPr>
-              <a:t>什么是</a:t>
-            </a:r>
-            <a:r>
-              <a:rPr lang="en-US" altLang="zh-CN" sz="2800" dirty="0" err="1" smtClean="0">
+              <a:t>Vue.js</a:t>
+            </a:r>
+            <a:r>
+              <a:rPr lang="zh-CN" altLang="en-US" sz="2800" dirty="0" smtClean="0">
                 <a:solidFill>
                   <a:schemeClr val="tx2"/>
                 </a:solidFill>
@@ -8791,9 +8791,20 @@
                 <a:ea typeface="微软雅黑" panose="020B0503020204020204" charset="-122"/>
                 <a:cs typeface="微软雅黑" panose="020B0503020204020204" charset="-122"/>
               </a:rPr>
-              <a:t>Vue.js</a:t>
-            </a:r>
-            <a:endParaRPr lang="zh-CN" altLang="en-US" sz="2800" dirty="0" smtClean="0">
+              <a:t>版的</a:t>
+            </a:r>
+            <a:r>
+              <a:rPr lang="en-US" altLang="zh-CN" sz="2800" dirty="0" smtClean="0">
+                <a:solidFill>
+                  <a:schemeClr val="tx2"/>
+                </a:solidFill>
+                <a:latin typeface="微软雅黑" panose="020B0503020204020204" charset="-122"/>
+                <a:ea typeface="微软雅黑" panose="020B0503020204020204" charset="-122"/>
+                <a:cs typeface="微软雅黑" panose="020B0503020204020204" charset="-122"/>
+              </a:rPr>
+              <a:t>helloworld</a:t>
+            </a:r>
+            <a:endParaRPr lang="en-US" altLang="zh-CN" sz="2800" dirty="0" smtClean="0">
               <a:solidFill>
                 <a:schemeClr val="tx2"/>
               </a:solidFill>

--- a/01 vueJs入门.pptx
+++ b/01 vueJs入门.pptx
@@ -1,25 +1,25 @@
 
 <file path=ppt/presentation.xml><?xml version="1.0" encoding="utf-8"?>
-<p:presentation xmlns:a="http://schemas.openxmlformats.org/drawingml/2006/main" xmlns:r="http://schemas.openxmlformats.org/officeDocument/2006/relationships" xmlns:p="http://schemas.openxmlformats.org/presentationml/2006/main" autoCompressPictures="0">
+<p:presentation xmlns:a="http://schemas.openxmlformats.org/drawingml/2006/main" xmlns:r="http://schemas.openxmlformats.org/officeDocument/2006/relationships" xmlns:p="http://schemas.openxmlformats.org/presentationml/2006/main" saveSubsetFonts="1" autoCompressPictures="0">
   <p:sldMasterIdLst>
     <p:sldMasterId id="2147483648" r:id="rId1"/>
   </p:sldMasterIdLst>
   <p:notesMasterIdLst>
-    <p:notesMasterId r:id="rId8"/>
+    <p:notesMasterId r:id="rId14"/>
   </p:notesMasterIdLst>
   <p:sldIdLst>
-    <p:sldId id="267" r:id="rId3"/>
-    <p:sldId id="263" r:id="rId4"/>
-    <p:sldId id="256" r:id="rId5"/>
-    <p:sldId id="276" r:id="rId6"/>
-    <p:sldId id="280" r:id="rId7"/>
-    <p:sldId id="287" r:id="rId9"/>
-    <p:sldId id="279" r:id="rId10"/>
-    <p:sldId id="258" r:id="rId11"/>
-    <p:sldId id="259" r:id="rId12"/>
-    <p:sldId id="260" r:id="rId13"/>
-    <p:sldId id="261" r:id="rId14"/>
-    <p:sldId id="262" r:id="rId15"/>
+    <p:sldId id="267" r:id="rId2"/>
+    <p:sldId id="263" r:id="rId3"/>
+    <p:sldId id="256" r:id="rId4"/>
+    <p:sldId id="276" r:id="rId5"/>
+    <p:sldId id="280" r:id="rId6"/>
+    <p:sldId id="287" r:id="rId7"/>
+    <p:sldId id="279" r:id="rId8"/>
+    <p:sldId id="258" r:id="rId9"/>
+    <p:sldId id="259" r:id="rId10"/>
+    <p:sldId id="260" r:id="rId11"/>
+    <p:sldId id="261" r:id="rId12"/>
+    <p:sldId id="262" r:id="rId13"/>
   </p:sldIdLst>
   <p:sldSz cx="9144000" cy="5143500" type="screen16x9"/>
   <p:notesSz cx="6858000" cy="9144000"/>
@@ -118,6 +118,22 @@
       </a:defRPr>
     </a:lvl9pPr>
   </p:defaultTextStyle>
+  <p:extLst>
+    <p:ext uri="{EFAFB233-063F-42B5-8137-9DF3F51BA10A}">
+      <p15:sldGuideLst xmlns:p15="http://schemas.microsoft.com/office/powerpoint/2012/main">
+        <p15:guide id="1" orient="horz" pos="1598">
+          <p15:clr>
+            <a:srgbClr val="A4A3A4"/>
+          </p15:clr>
+        </p15:guide>
+        <p15:guide id="2" pos="2834">
+          <p15:clr>
+            <a:srgbClr val="A4A3A4"/>
+          </p15:clr>
+        </p15:guide>
+      </p15:sldGuideLst>
+    </p:ext>
+  </p:extLst>
 </p:presentation>
 </file>
 
@@ -203,6 +219,7 @@
           <a:p>
             <a:fld id="{97B991AC-5640-1041-B2E7-298AB3A4F4F2}" type="datetimeFigureOut">
               <a:rPr kumimoji="1" lang="zh-CN" altLang="en-US" smtClean="0"/>
+              <a:t>2017/7/23</a:t>
             </a:fld>
             <a:endParaRPr kumimoji="1" lang="zh-CN" altLang="en-US"/>
           </a:p>
@@ -269,7 +286,6 @@
               <a:rPr kumimoji="1" lang="zh-CN" altLang="en-US" smtClean="0"/>
               <a:t>单击此处编辑母版文本样式</a:t>
             </a:r>
-            <a:endParaRPr kumimoji="1" lang="zh-CN" altLang="en-US" smtClean="0"/>
           </a:p>
           <a:p>
             <a:pPr lvl="1"/>
@@ -277,7 +293,6 @@
               <a:rPr kumimoji="1" lang="zh-CN" altLang="en-US" smtClean="0"/>
               <a:t>二级</a:t>
             </a:r>
-            <a:endParaRPr kumimoji="1" lang="zh-CN" altLang="en-US" smtClean="0"/>
           </a:p>
           <a:p>
             <a:pPr lvl="2"/>
@@ -285,7 +300,6 @@
               <a:rPr kumimoji="1" lang="zh-CN" altLang="en-US" smtClean="0"/>
               <a:t>三级</a:t>
             </a:r>
-            <a:endParaRPr kumimoji="1" lang="zh-CN" altLang="en-US" smtClean="0"/>
           </a:p>
           <a:p>
             <a:pPr lvl="3"/>
@@ -293,7 +307,6 @@
               <a:rPr kumimoji="1" lang="zh-CN" altLang="en-US" smtClean="0"/>
               <a:t>四级</a:t>
             </a:r>
-            <a:endParaRPr kumimoji="1" lang="zh-CN" altLang="en-US" smtClean="0"/>
           </a:p>
           <a:p>
             <a:pPr lvl="4"/>
@@ -365,6 +378,7 @@
           <a:p>
             <a:fld id="{A0F4CD0E-B481-7B4C-9353-8F841747218C}" type="slidenum">
               <a:rPr kumimoji="1" lang="zh-CN" altLang="en-US" smtClean="0"/>
+              <a:t>‹#›</a:t>
             </a:fld>
             <a:endParaRPr kumimoji="1" lang="zh-CN" altLang="en-US"/>
           </a:p>
@@ -469,11 +483,11 @@
 </file>
 
 <file path=ppt/notesSlides/notesSlide1.xml><?xml version="1.0" encoding="utf-8"?>
-<p:notes xmlns:a="http://schemas.openxmlformats.org/drawingml/2006/main" xmlns:r="http://schemas.openxmlformats.org/officeDocument/2006/relationships" xmlns:p="http://schemas.openxmlformats.org/presentationml/2006/main" showMasterPhAnim="0" showMasterSp="0">
+<p:notes xmlns:a="http://schemas.openxmlformats.org/drawingml/2006/main" xmlns:r="http://schemas.openxmlformats.org/officeDocument/2006/relationships" xmlns:p="http://schemas.openxmlformats.org/presentationml/2006/main" showMasterSp="0" showMasterPhAnim="0">
   <p:cSld>
     <p:spTree>
       <p:nvGrpSpPr>
-        <p:cNvPr id="153" name="Shape 153"/>
+        <p:cNvPr id="1" name="Shape 153"/>
         <p:cNvGrpSpPr/>
         <p:nvPr/>
       </p:nvGrpSpPr>
@@ -488,7 +502,9 @@
       <p:sp>
         <p:nvSpPr>
           <p:cNvPr id="154" name="Shape 154"/>
-          <p:cNvSpPr/>
+          <p:cNvSpPr>
+            <a:spLocks noGrp="1" noRot="1" noChangeAspect="1"/>
+          </p:cNvSpPr>
           <p:nvPr>
             <p:ph type="sldImg" idx="2"/>
           </p:nvPr>
@@ -503,6 +519,7 @@
             <a:gdLst/>
             <a:ahLst/>
             <a:cxnLst/>
+            <a:rect l="0" t="0" r="0" b="0"/>
             <a:pathLst>
               <a:path w="120000" h="120000" extrusionOk="0">
                 <a:moveTo>
@@ -526,7 +543,9 @@
       <p:sp>
         <p:nvSpPr>
           <p:cNvPr id="155" name="Shape 155"/>
-          <p:cNvSpPr txBox="1"/>
+          <p:cNvSpPr txBox="1">
+            <a:spLocks noGrp="1"/>
+          </p:cNvSpPr>
           <p:nvPr>
             <p:ph type="body" idx="1"/>
           </p:nvPr>
@@ -552,6 +571,7 @@
               </a:spcBef>
               <a:buNone/>
             </a:pPr>
+            <a:endParaRPr/>
           </a:p>
         </p:txBody>
       </p:sp>
@@ -564,11 +584,11 @@
 </file>
 
 <file path=ppt/notesSlides/notesSlide2.xml><?xml version="1.0" encoding="utf-8"?>
-<p:notes xmlns:a="http://schemas.openxmlformats.org/drawingml/2006/main" xmlns:r="http://schemas.openxmlformats.org/officeDocument/2006/relationships" xmlns:p="http://schemas.openxmlformats.org/presentationml/2006/main" showMasterPhAnim="0" showMasterSp="0">
+<p:notes xmlns:a="http://schemas.openxmlformats.org/drawingml/2006/main" xmlns:r="http://schemas.openxmlformats.org/officeDocument/2006/relationships" xmlns:p="http://schemas.openxmlformats.org/presentationml/2006/main" showMasterSp="0" showMasterPhAnim="0">
   <p:cSld>
     <p:spTree>
       <p:nvGrpSpPr>
-        <p:cNvPr id="169" name="Shape 169"/>
+        <p:cNvPr id="1" name="Shape 169"/>
         <p:cNvGrpSpPr/>
         <p:nvPr/>
       </p:nvGrpSpPr>
@@ -583,7 +603,9 @@
       <p:sp>
         <p:nvSpPr>
           <p:cNvPr id="170" name="Shape 170"/>
-          <p:cNvSpPr/>
+          <p:cNvSpPr>
+            <a:spLocks noGrp="1" noRot="1" noChangeAspect="1"/>
+          </p:cNvSpPr>
           <p:nvPr>
             <p:ph type="sldImg" idx="2"/>
           </p:nvPr>
@@ -598,6 +620,7 @@
             <a:gdLst/>
             <a:ahLst/>
             <a:cxnLst/>
+            <a:rect l="0" t="0" r="0" b="0"/>
             <a:pathLst>
               <a:path w="120000" h="120000" extrusionOk="0">
                 <a:moveTo>
@@ -621,7 +644,9 @@
       <p:sp>
         <p:nvSpPr>
           <p:cNvPr id="171" name="Shape 171"/>
-          <p:cNvSpPr txBox="1"/>
+          <p:cNvSpPr txBox="1">
+            <a:spLocks noGrp="1"/>
+          </p:cNvSpPr>
           <p:nvPr>
             <p:ph type="body" idx="1"/>
           </p:nvPr>
@@ -647,6 +672,7 @@
               </a:spcBef>
               <a:buNone/>
             </a:pPr>
+            <a:endParaRPr/>
           </a:p>
         </p:txBody>
       </p:sp>
@@ -839,6 +865,7 @@
           <a:p>
             <a:fld id="{2C94FC9E-52D1-A940-966D-CA98E2FEBABE}" type="datetimeFigureOut">
               <a:rPr kumimoji="1" lang="zh-CN" altLang="en-US" smtClean="0"/>
+              <a:t>2017/7/23</a:t>
             </a:fld>
             <a:endParaRPr kumimoji="1" lang="zh-CN" altLang="en-US"/>
           </a:p>
@@ -880,6 +907,7 @@
           <a:p>
             <a:fld id="{62C04E4F-7143-6640-976D-8EC3F51D61C2}" type="slidenum">
               <a:rPr kumimoji="1" lang="zh-CN" altLang="en-US" smtClean="0"/>
+              <a:t>‹#›</a:t>
             </a:fld>
             <a:endParaRPr kumimoji="1" lang="zh-CN" altLang="en-US"/>
           </a:p>
@@ -953,7 +981,6 @@
               <a:rPr kumimoji="1" lang="zh-CN" altLang="x-none" smtClean="0"/>
               <a:t>单击此处编辑母版文本样式</a:t>
             </a:r>
-            <a:endParaRPr kumimoji="1" lang="zh-CN" altLang="x-none" smtClean="0"/>
           </a:p>
           <a:p>
             <a:pPr lvl="1"/>
@@ -961,7 +988,6 @@
               <a:rPr kumimoji="1" lang="zh-CN" altLang="x-none" smtClean="0"/>
               <a:t>二级</a:t>
             </a:r>
-            <a:endParaRPr kumimoji="1" lang="zh-CN" altLang="x-none" smtClean="0"/>
           </a:p>
           <a:p>
             <a:pPr lvl="2"/>
@@ -969,7 +995,6 @@
               <a:rPr kumimoji="1" lang="zh-CN" altLang="x-none" smtClean="0"/>
               <a:t>三级</a:t>
             </a:r>
-            <a:endParaRPr kumimoji="1" lang="zh-CN" altLang="x-none" smtClean="0"/>
           </a:p>
           <a:p>
             <a:pPr lvl="3"/>
@@ -977,7 +1002,6 @@
               <a:rPr kumimoji="1" lang="zh-CN" altLang="x-none" smtClean="0"/>
               <a:t>四级</a:t>
             </a:r>
-            <a:endParaRPr kumimoji="1" lang="zh-CN" altLang="x-none" smtClean="0"/>
           </a:p>
           <a:p>
             <a:pPr lvl="4"/>
@@ -1006,6 +1030,7 @@
           <a:p>
             <a:fld id="{2C94FC9E-52D1-A940-966D-CA98E2FEBABE}" type="datetimeFigureOut">
               <a:rPr kumimoji="1" lang="zh-CN" altLang="en-US" smtClean="0"/>
+              <a:t>2017/7/23</a:t>
             </a:fld>
             <a:endParaRPr kumimoji="1" lang="zh-CN" altLang="en-US"/>
           </a:p>
@@ -1047,6 +1072,7 @@
           <a:p>
             <a:fld id="{62C04E4F-7143-6640-976D-8EC3F51D61C2}" type="slidenum">
               <a:rPr kumimoji="1" lang="zh-CN" altLang="en-US" smtClean="0"/>
+              <a:t>‹#›</a:t>
             </a:fld>
             <a:endParaRPr kumimoji="1" lang="zh-CN" altLang="en-US"/>
           </a:p>
@@ -1130,7 +1156,6 @@
               <a:rPr kumimoji="1" lang="zh-CN" altLang="x-none" smtClean="0"/>
               <a:t>单击此处编辑母版文本样式</a:t>
             </a:r>
-            <a:endParaRPr kumimoji="1" lang="zh-CN" altLang="x-none" smtClean="0"/>
           </a:p>
           <a:p>
             <a:pPr lvl="1"/>
@@ -1138,7 +1163,6 @@
               <a:rPr kumimoji="1" lang="zh-CN" altLang="x-none" smtClean="0"/>
               <a:t>二级</a:t>
             </a:r>
-            <a:endParaRPr kumimoji="1" lang="zh-CN" altLang="x-none" smtClean="0"/>
           </a:p>
           <a:p>
             <a:pPr lvl="2"/>
@@ -1146,7 +1170,6 @@
               <a:rPr kumimoji="1" lang="zh-CN" altLang="x-none" smtClean="0"/>
               <a:t>三级</a:t>
             </a:r>
-            <a:endParaRPr kumimoji="1" lang="zh-CN" altLang="x-none" smtClean="0"/>
           </a:p>
           <a:p>
             <a:pPr lvl="3"/>
@@ -1154,7 +1177,6 @@
               <a:rPr kumimoji="1" lang="zh-CN" altLang="x-none" smtClean="0"/>
               <a:t>四级</a:t>
             </a:r>
-            <a:endParaRPr kumimoji="1" lang="zh-CN" altLang="x-none" smtClean="0"/>
           </a:p>
           <a:p>
             <a:pPr lvl="4"/>
@@ -1183,6 +1205,7 @@
           <a:p>
             <a:fld id="{2C94FC9E-52D1-A940-966D-CA98E2FEBABE}" type="datetimeFigureOut">
               <a:rPr kumimoji="1" lang="zh-CN" altLang="en-US" smtClean="0"/>
+              <a:t>2017/7/23</a:t>
             </a:fld>
             <a:endParaRPr kumimoji="1" lang="zh-CN" altLang="en-US"/>
           </a:p>
@@ -1224,6 +1247,7 @@
           <a:p>
             <a:fld id="{62C04E4F-7143-6640-976D-8EC3F51D61C2}" type="slidenum">
               <a:rPr kumimoji="1" lang="zh-CN" altLang="en-US" smtClean="0"/>
+              <a:t>‹#›</a:t>
             </a:fld>
             <a:endParaRPr kumimoji="1" lang="zh-CN" altLang="en-US"/>
           </a:p>
@@ -1242,7 +1266,7 @@
   <p:cSld name="Title and body">
     <p:spTree>
       <p:nvGrpSpPr>
-        <p:cNvPr id="13" name="Shape 13"/>
+        <p:cNvPr id="1" name="Shape 13"/>
         <p:cNvGrpSpPr/>
         <p:nvPr/>
       </p:nvGrpSpPr>
@@ -1257,7 +1281,9 @@
       <p:sp>
         <p:nvSpPr>
           <p:cNvPr id="14" name="Shape 14"/>
-          <p:cNvSpPr txBox="1"/>
+          <p:cNvSpPr txBox="1">
+            <a:spLocks noGrp="1"/>
+          </p:cNvSpPr>
           <p:nvPr>
             <p:ph type="title"/>
           </p:nvPr>
@@ -1329,13 +1355,17 @@
               <a:defRPr/>
             </a:lvl9pPr>
           </a:lstStyle>
-          <a:p/>
+          <a:p>
+            <a:endParaRPr/>
+          </a:p>
         </p:txBody>
       </p:sp>
       <p:sp>
         <p:nvSpPr>
           <p:cNvPr id="15" name="Shape 15"/>
-          <p:cNvSpPr txBox="1"/>
+          <p:cNvSpPr txBox="1">
+            <a:spLocks noGrp="1"/>
+          </p:cNvSpPr>
           <p:nvPr>
             <p:ph type="body" idx="1"/>
           </p:nvPr>
@@ -1407,13 +1437,17 @@
               <a:defRPr/>
             </a:lvl9pPr>
           </a:lstStyle>
-          <a:p/>
+          <a:p>
+            <a:endParaRPr/>
+          </a:p>
         </p:txBody>
       </p:sp>
       <p:sp>
         <p:nvSpPr>
           <p:cNvPr id="16" name="Shape 16"/>
-          <p:cNvSpPr txBox="1"/>
+          <p:cNvSpPr txBox="1">
+            <a:spLocks noGrp="1"/>
+          </p:cNvSpPr>
           <p:nvPr>
             <p:ph type="sldNum" idx="12"/>
           </p:nvPr>
@@ -1441,6 +1475,7 @@
             </a:pPr>
             <a:fld id="{00000000-1234-1234-1234-123412341234}" type="slidenum">
               <a:rPr lang="en-GB"/>
+              <a:t>‹#›</a:t>
             </a:fld>
             <a:endParaRPr lang="en-GB"/>
           </a:p>
@@ -1540,7 +1575,6 @@
               <a:rPr kumimoji="1" lang="zh-CN" altLang="x-none" smtClean="0"/>
               <a:t>单击此处编辑母版文本样式</a:t>
             </a:r>
-            <a:endParaRPr kumimoji="1" lang="zh-CN" altLang="x-none" smtClean="0"/>
           </a:p>
           <a:p>
             <a:pPr lvl="1"/>
@@ -1548,7 +1582,6 @@
               <a:rPr kumimoji="1" lang="zh-CN" altLang="x-none" smtClean="0"/>
               <a:t>二级</a:t>
             </a:r>
-            <a:endParaRPr kumimoji="1" lang="zh-CN" altLang="x-none" smtClean="0"/>
           </a:p>
           <a:p>
             <a:pPr lvl="2"/>
@@ -1556,7 +1589,6 @@
               <a:rPr kumimoji="1" lang="zh-CN" altLang="x-none" smtClean="0"/>
               <a:t>三级</a:t>
             </a:r>
-            <a:endParaRPr kumimoji="1" lang="zh-CN" altLang="x-none" smtClean="0"/>
           </a:p>
           <a:p>
             <a:pPr lvl="3"/>
@@ -1564,7 +1596,6 @@
               <a:rPr kumimoji="1" lang="zh-CN" altLang="x-none" smtClean="0"/>
               <a:t>四级</a:t>
             </a:r>
-            <a:endParaRPr kumimoji="1" lang="zh-CN" altLang="x-none" smtClean="0"/>
           </a:p>
           <a:p>
             <a:pPr lvl="4"/>
@@ -1593,6 +1624,7 @@
           <a:p>
             <a:fld id="{2C94FC9E-52D1-A940-966D-CA98E2FEBABE}" type="datetimeFigureOut">
               <a:rPr kumimoji="1" lang="zh-CN" altLang="en-US" smtClean="0"/>
+              <a:t>2017/7/23</a:t>
             </a:fld>
             <a:endParaRPr kumimoji="1" lang="zh-CN" altLang="en-US"/>
           </a:p>
@@ -1634,6 +1666,7 @@
           <a:p>
             <a:fld id="{62C04E4F-7143-6640-976D-8EC3F51D61C2}" type="slidenum">
               <a:rPr kumimoji="1" lang="zh-CN" altLang="en-US" smtClean="0"/>
+              <a:t>‹#›</a:t>
             </a:fld>
             <a:endParaRPr kumimoji="1" lang="zh-CN" altLang="en-US"/>
           </a:p>
@@ -1812,7 +1845,6 @@
               <a:rPr kumimoji="1" lang="zh-CN" altLang="x-none" smtClean="0"/>
               <a:t>单击此处编辑母版文本样式</a:t>
             </a:r>
-            <a:endParaRPr kumimoji="1" lang="zh-CN" altLang="x-none" smtClean="0"/>
           </a:p>
         </p:txBody>
       </p:sp>
@@ -1833,6 +1865,7 @@
           <a:p>
             <a:fld id="{2C94FC9E-52D1-A940-966D-CA98E2FEBABE}" type="datetimeFigureOut">
               <a:rPr kumimoji="1" lang="zh-CN" altLang="en-US" smtClean="0"/>
+              <a:t>2017/7/23</a:t>
             </a:fld>
             <a:endParaRPr kumimoji="1" lang="zh-CN" altLang="en-US"/>
           </a:p>
@@ -1874,6 +1907,7 @@
           <a:p>
             <a:fld id="{62C04E4F-7143-6640-976D-8EC3F51D61C2}" type="slidenum">
               <a:rPr kumimoji="1" lang="zh-CN" altLang="en-US" smtClean="0"/>
+              <a:t>‹#›</a:t>
             </a:fld>
             <a:endParaRPr kumimoji="1" lang="zh-CN" altLang="en-US"/>
           </a:p>
@@ -1980,7 +2014,6 @@
               <a:rPr kumimoji="1" lang="zh-CN" altLang="x-none" smtClean="0"/>
               <a:t>单击此处编辑母版文本样式</a:t>
             </a:r>
-            <a:endParaRPr kumimoji="1" lang="zh-CN" altLang="x-none" smtClean="0"/>
           </a:p>
           <a:p>
             <a:pPr lvl="1"/>
@@ -1988,7 +2021,6 @@
               <a:rPr kumimoji="1" lang="zh-CN" altLang="x-none" smtClean="0"/>
               <a:t>二级</a:t>
             </a:r>
-            <a:endParaRPr kumimoji="1" lang="zh-CN" altLang="x-none" smtClean="0"/>
           </a:p>
           <a:p>
             <a:pPr lvl="2"/>
@@ -1996,7 +2028,6 @@
               <a:rPr kumimoji="1" lang="zh-CN" altLang="x-none" smtClean="0"/>
               <a:t>三级</a:t>
             </a:r>
-            <a:endParaRPr kumimoji="1" lang="zh-CN" altLang="x-none" smtClean="0"/>
           </a:p>
           <a:p>
             <a:pPr lvl="3"/>
@@ -2004,7 +2035,6 @@
               <a:rPr kumimoji="1" lang="zh-CN" altLang="x-none" smtClean="0"/>
               <a:t>四级</a:t>
             </a:r>
-            <a:endParaRPr kumimoji="1" lang="zh-CN" altLang="x-none" smtClean="0"/>
           </a:p>
           <a:p>
             <a:pPr lvl="4"/>
@@ -2069,7 +2099,6 @@
               <a:rPr kumimoji="1" lang="zh-CN" altLang="x-none" smtClean="0"/>
               <a:t>单击此处编辑母版文本样式</a:t>
             </a:r>
-            <a:endParaRPr kumimoji="1" lang="zh-CN" altLang="x-none" smtClean="0"/>
           </a:p>
           <a:p>
             <a:pPr lvl="1"/>
@@ -2077,7 +2106,6 @@
               <a:rPr kumimoji="1" lang="zh-CN" altLang="x-none" smtClean="0"/>
               <a:t>二级</a:t>
             </a:r>
-            <a:endParaRPr kumimoji="1" lang="zh-CN" altLang="x-none" smtClean="0"/>
           </a:p>
           <a:p>
             <a:pPr lvl="2"/>
@@ -2085,7 +2113,6 @@
               <a:rPr kumimoji="1" lang="zh-CN" altLang="x-none" smtClean="0"/>
               <a:t>三级</a:t>
             </a:r>
-            <a:endParaRPr kumimoji="1" lang="zh-CN" altLang="x-none" smtClean="0"/>
           </a:p>
           <a:p>
             <a:pPr lvl="3"/>
@@ -2093,7 +2120,6 @@
               <a:rPr kumimoji="1" lang="zh-CN" altLang="x-none" smtClean="0"/>
               <a:t>四级</a:t>
             </a:r>
-            <a:endParaRPr kumimoji="1" lang="zh-CN" altLang="x-none" smtClean="0"/>
           </a:p>
           <a:p>
             <a:pPr lvl="4"/>
@@ -2122,6 +2148,7 @@
           <a:p>
             <a:fld id="{2C94FC9E-52D1-A940-966D-CA98E2FEBABE}" type="datetimeFigureOut">
               <a:rPr kumimoji="1" lang="zh-CN" altLang="en-US" smtClean="0"/>
+              <a:t>2017/7/23</a:t>
             </a:fld>
             <a:endParaRPr kumimoji="1" lang="zh-CN" altLang="en-US"/>
           </a:p>
@@ -2163,6 +2190,7 @@
           <a:p>
             <a:fld id="{62C04E4F-7143-6640-976D-8EC3F51D61C2}" type="slidenum">
               <a:rPr kumimoji="1" lang="zh-CN" altLang="en-US" smtClean="0"/>
+              <a:t>‹#›</a:t>
             </a:fld>
             <a:endParaRPr kumimoji="1" lang="zh-CN" altLang="en-US"/>
           </a:p>
@@ -2282,7 +2310,6 @@
               <a:rPr kumimoji="1" lang="zh-CN" altLang="x-none" smtClean="0"/>
               <a:t>单击此处编辑母版文本样式</a:t>
             </a:r>
-            <a:endParaRPr kumimoji="1" lang="zh-CN" altLang="x-none" smtClean="0"/>
           </a:p>
         </p:txBody>
       </p:sp>
@@ -2339,7 +2366,6 @@
               <a:rPr kumimoji="1" lang="zh-CN" altLang="x-none" smtClean="0"/>
               <a:t>单击此处编辑母版文本样式</a:t>
             </a:r>
-            <a:endParaRPr kumimoji="1" lang="zh-CN" altLang="x-none" smtClean="0"/>
           </a:p>
           <a:p>
             <a:pPr lvl="1"/>
@@ -2347,7 +2373,6 @@
               <a:rPr kumimoji="1" lang="zh-CN" altLang="x-none" smtClean="0"/>
               <a:t>二级</a:t>
             </a:r>
-            <a:endParaRPr kumimoji="1" lang="zh-CN" altLang="x-none" smtClean="0"/>
           </a:p>
           <a:p>
             <a:pPr lvl="2"/>
@@ -2355,7 +2380,6 @@
               <a:rPr kumimoji="1" lang="zh-CN" altLang="x-none" smtClean="0"/>
               <a:t>三级</a:t>
             </a:r>
-            <a:endParaRPr kumimoji="1" lang="zh-CN" altLang="x-none" smtClean="0"/>
           </a:p>
           <a:p>
             <a:pPr lvl="3"/>
@@ -2363,7 +2387,6 @@
               <a:rPr kumimoji="1" lang="zh-CN" altLang="x-none" smtClean="0"/>
               <a:t>四级</a:t>
             </a:r>
-            <a:endParaRPr kumimoji="1" lang="zh-CN" altLang="x-none" smtClean="0"/>
           </a:p>
           <a:p>
             <a:pPr lvl="4"/>
@@ -2437,7 +2460,6 @@
               <a:rPr kumimoji="1" lang="zh-CN" altLang="x-none" smtClean="0"/>
               <a:t>单击此处编辑母版文本样式</a:t>
             </a:r>
-            <a:endParaRPr kumimoji="1" lang="zh-CN" altLang="x-none" smtClean="0"/>
           </a:p>
         </p:txBody>
       </p:sp>
@@ -2494,7 +2516,6 @@
               <a:rPr kumimoji="1" lang="zh-CN" altLang="x-none" smtClean="0"/>
               <a:t>单击此处编辑母版文本样式</a:t>
             </a:r>
-            <a:endParaRPr kumimoji="1" lang="zh-CN" altLang="x-none" smtClean="0"/>
           </a:p>
           <a:p>
             <a:pPr lvl="1"/>
@@ -2502,7 +2523,6 @@
               <a:rPr kumimoji="1" lang="zh-CN" altLang="x-none" smtClean="0"/>
               <a:t>二级</a:t>
             </a:r>
-            <a:endParaRPr kumimoji="1" lang="zh-CN" altLang="x-none" smtClean="0"/>
           </a:p>
           <a:p>
             <a:pPr lvl="2"/>
@@ -2510,7 +2530,6 @@
               <a:rPr kumimoji="1" lang="zh-CN" altLang="x-none" smtClean="0"/>
               <a:t>三级</a:t>
             </a:r>
-            <a:endParaRPr kumimoji="1" lang="zh-CN" altLang="x-none" smtClean="0"/>
           </a:p>
           <a:p>
             <a:pPr lvl="3"/>
@@ -2518,7 +2537,6 @@
               <a:rPr kumimoji="1" lang="zh-CN" altLang="x-none" smtClean="0"/>
               <a:t>四级</a:t>
             </a:r>
-            <a:endParaRPr kumimoji="1" lang="zh-CN" altLang="x-none" smtClean="0"/>
           </a:p>
           <a:p>
             <a:pPr lvl="4"/>
@@ -2547,6 +2565,7 @@
           <a:p>
             <a:fld id="{2C94FC9E-52D1-A940-966D-CA98E2FEBABE}" type="datetimeFigureOut">
               <a:rPr kumimoji="1" lang="zh-CN" altLang="en-US" smtClean="0"/>
+              <a:t>2017/7/23</a:t>
             </a:fld>
             <a:endParaRPr kumimoji="1" lang="zh-CN" altLang="en-US"/>
           </a:p>
@@ -2588,6 +2607,7 @@
           <a:p>
             <a:fld id="{62C04E4F-7143-6640-976D-8EC3F51D61C2}" type="slidenum">
               <a:rPr kumimoji="1" lang="zh-CN" altLang="en-US" smtClean="0"/>
+              <a:t>‹#›</a:t>
             </a:fld>
             <a:endParaRPr kumimoji="1" lang="zh-CN" altLang="en-US"/>
           </a:p>
@@ -2658,6 +2678,7 @@
           <a:p>
             <a:fld id="{2C94FC9E-52D1-A940-966D-CA98E2FEBABE}" type="datetimeFigureOut">
               <a:rPr kumimoji="1" lang="zh-CN" altLang="en-US" smtClean="0"/>
+              <a:t>2017/7/23</a:t>
             </a:fld>
             <a:endParaRPr kumimoji="1" lang="zh-CN" altLang="en-US"/>
           </a:p>
@@ -2699,6 +2720,7 @@
           <a:p>
             <a:fld id="{62C04E4F-7143-6640-976D-8EC3F51D61C2}" type="slidenum">
               <a:rPr kumimoji="1" lang="zh-CN" altLang="en-US" smtClean="0"/>
+              <a:t>‹#›</a:t>
             </a:fld>
             <a:endParaRPr kumimoji="1" lang="zh-CN" altLang="en-US"/>
           </a:p>
@@ -2746,6 +2768,7 @@
           <a:p>
             <a:fld id="{2C94FC9E-52D1-A940-966D-CA98E2FEBABE}" type="datetimeFigureOut">
               <a:rPr kumimoji="1" lang="zh-CN" altLang="en-US" smtClean="0"/>
+              <a:t>2017/7/23</a:t>
             </a:fld>
             <a:endParaRPr kumimoji="1" lang="zh-CN" altLang="en-US"/>
           </a:p>
@@ -2787,6 +2810,7 @@
           <a:p>
             <a:fld id="{62C04E4F-7143-6640-976D-8EC3F51D61C2}" type="slidenum">
               <a:rPr kumimoji="1" lang="zh-CN" altLang="en-US" smtClean="0"/>
+              <a:t>‹#›</a:t>
             </a:fld>
             <a:endParaRPr kumimoji="1" lang="zh-CN" altLang="en-US"/>
           </a:p>
@@ -2902,7 +2926,6 @@
               <a:rPr kumimoji="1" lang="zh-CN" altLang="x-none" smtClean="0"/>
               <a:t>单击此处编辑母版文本样式</a:t>
             </a:r>
-            <a:endParaRPr kumimoji="1" lang="zh-CN" altLang="x-none" smtClean="0"/>
           </a:p>
           <a:p>
             <a:pPr lvl="1"/>
@@ -2910,7 +2933,6 @@
               <a:rPr kumimoji="1" lang="zh-CN" altLang="x-none" smtClean="0"/>
               <a:t>二级</a:t>
             </a:r>
-            <a:endParaRPr kumimoji="1" lang="zh-CN" altLang="x-none" smtClean="0"/>
           </a:p>
           <a:p>
             <a:pPr lvl="2"/>
@@ -2918,7 +2940,6 @@
               <a:rPr kumimoji="1" lang="zh-CN" altLang="x-none" smtClean="0"/>
               <a:t>三级</a:t>
             </a:r>
-            <a:endParaRPr kumimoji="1" lang="zh-CN" altLang="x-none" smtClean="0"/>
           </a:p>
           <a:p>
             <a:pPr lvl="3"/>
@@ -2926,7 +2947,6 @@
               <a:rPr kumimoji="1" lang="zh-CN" altLang="x-none" smtClean="0"/>
               <a:t>四级</a:t>
             </a:r>
-            <a:endParaRPr kumimoji="1" lang="zh-CN" altLang="x-none" smtClean="0"/>
           </a:p>
           <a:p>
             <a:pPr lvl="4"/>
@@ -3000,7 +3020,6 @@
               <a:rPr kumimoji="1" lang="zh-CN" altLang="x-none" smtClean="0"/>
               <a:t>单击此处编辑母版文本样式</a:t>
             </a:r>
-            <a:endParaRPr kumimoji="1" lang="zh-CN" altLang="x-none" smtClean="0"/>
           </a:p>
         </p:txBody>
       </p:sp>
@@ -3021,6 +3040,7 @@
           <a:p>
             <a:fld id="{2C94FC9E-52D1-A940-966D-CA98E2FEBABE}" type="datetimeFigureOut">
               <a:rPr kumimoji="1" lang="zh-CN" altLang="en-US" smtClean="0"/>
+              <a:t>2017/7/23</a:t>
             </a:fld>
             <a:endParaRPr kumimoji="1" lang="zh-CN" altLang="en-US"/>
           </a:p>
@@ -3062,6 +3082,7 @@
           <a:p>
             <a:fld id="{62C04E4F-7143-6640-976D-8EC3F51D61C2}" type="slidenum">
               <a:rPr kumimoji="1" lang="zh-CN" altLang="en-US" smtClean="0"/>
+              <a:t>‹#›</a:t>
             </a:fld>
             <a:endParaRPr kumimoji="1" lang="zh-CN" altLang="en-US"/>
           </a:p>
@@ -3247,7 +3268,6 @@
               <a:rPr kumimoji="1" lang="zh-CN" altLang="x-none" smtClean="0"/>
               <a:t>单击此处编辑母版文本样式</a:t>
             </a:r>
-            <a:endParaRPr kumimoji="1" lang="zh-CN" altLang="x-none" smtClean="0"/>
           </a:p>
         </p:txBody>
       </p:sp>
@@ -3268,6 +3288,7 @@
           <a:p>
             <a:fld id="{2C94FC9E-52D1-A940-966D-CA98E2FEBABE}" type="datetimeFigureOut">
               <a:rPr kumimoji="1" lang="zh-CN" altLang="en-US" smtClean="0"/>
+              <a:t>2017/7/23</a:t>
             </a:fld>
             <a:endParaRPr kumimoji="1" lang="zh-CN" altLang="en-US"/>
           </a:p>
@@ -3309,6 +3330,7 @@
           <a:p>
             <a:fld id="{62C04E4F-7143-6640-976D-8EC3F51D61C2}" type="slidenum">
               <a:rPr kumimoji="1" lang="zh-CN" altLang="en-US" smtClean="0"/>
+              <a:t>‹#›</a:t>
             </a:fld>
             <a:endParaRPr kumimoji="1" lang="zh-CN" altLang="en-US"/>
           </a:p>
@@ -3407,7 +3429,6 @@
               <a:rPr kumimoji="1" lang="zh-CN" altLang="x-none" smtClean="0"/>
               <a:t>单击此处编辑母版文本样式</a:t>
             </a:r>
-            <a:endParaRPr kumimoji="1" lang="zh-CN" altLang="x-none" smtClean="0"/>
           </a:p>
           <a:p>
             <a:pPr lvl="1"/>
@@ -3415,7 +3436,6 @@
               <a:rPr kumimoji="1" lang="zh-CN" altLang="x-none" smtClean="0"/>
               <a:t>二级</a:t>
             </a:r>
-            <a:endParaRPr kumimoji="1" lang="zh-CN" altLang="x-none" smtClean="0"/>
           </a:p>
           <a:p>
             <a:pPr lvl="2"/>
@@ -3423,7 +3443,6 @@
               <a:rPr kumimoji="1" lang="zh-CN" altLang="x-none" smtClean="0"/>
               <a:t>三级</a:t>
             </a:r>
-            <a:endParaRPr kumimoji="1" lang="zh-CN" altLang="x-none" smtClean="0"/>
           </a:p>
           <a:p>
             <a:pPr lvl="3"/>
@@ -3431,7 +3450,6 @@
               <a:rPr kumimoji="1" lang="zh-CN" altLang="x-none" smtClean="0"/>
               <a:t>四级</a:t>
             </a:r>
-            <a:endParaRPr kumimoji="1" lang="zh-CN" altLang="x-none" smtClean="0"/>
           </a:p>
           <a:p>
             <a:pPr lvl="4"/>
@@ -3478,6 +3496,7 @@
           <a:p>
             <a:fld id="{2C94FC9E-52D1-A940-966D-CA98E2FEBABE}" type="datetimeFigureOut">
               <a:rPr kumimoji="1" lang="zh-CN" altLang="en-US" smtClean="0"/>
+              <a:t>2017/7/23</a:t>
             </a:fld>
             <a:endParaRPr kumimoji="1" lang="zh-CN" altLang="en-US"/>
           </a:p>
@@ -3555,6 +3574,7 @@
           <a:p>
             <a:fld id="{62C04E4F-7143-6640-976D-8EC3F51D61C2}" type="slidenum">
               <a:rPr kumimoji="1" lang="zh-CN" altLang="en-US" smtClean="0"/>
+              <a:t>‹#›</a:t>
             </a:fld>
             <a:endParaRPr kumimoji="1" lang="zh-CN" altLang="en-US"/>
           </a:p>
@@ -3894,7 +3914,7 @@
           <p:nvPr/>
         </p:nvPicPr>
         <p:blipFill>
-          <a:blip r:embed="rId1" cstate="email"/>
+          <a:blip r:embed="rId2" cstate="email"/>
           <a:srcRect/>
           <a:stretch>
             <a:fillRect/>
@@ -4086,7 +4106,7 @@
           <p:nvPr/>
         </p:nvPicPr>
         <p:blipFill>
-          <a:blip r:embed="rId1"/>
+          <a:blip r:embed="rId2"/>
           <a:stretch>
             <a:fillRect/>
           </a:stretch>
@@ -4135,7 +4155,7 @@
           <p:nvPr/>
         </p:nvPicPr>
         <p:blipFill>
-          <a:blip r:embed="rId1"/>
+          <a:blip r:embed="rId2"/>
           <a:stretch>
             <a:fillRect/>
           </a:stretch>
@@ -4312,7 +4332,7 @@
                 <a:ea typeface="微软雅黑" panose="020B0503020204020204" charset="-122"/>
                 <a:cs typeface="微软雅黑" panose="020B0503020204020204" charset="-122"/>
               </a:rPr>
-              <a:t>安装</a:t>
+              <a:t>安装的三种方式</a:t>
             </a:r>
             <a:endParaRPr lang="zh-CN" altLang="en-US" sz="2800" dirty="0">
               <a:solidFill>
@@ -4518,7 +4538,31 @@
                   <a:srgbClr val="000000"/>
                 </a:solidFill>
               </a:rPr>
-              <a:t>独立版本</a:t>
+              <a:t>方式</a:t>
+            </a:r>
+            <a:r>
+              <a:rPr lang="en-US" altLang="zh-CN" sz="1800" dirty="0" smtClean="0">
+                <a:solidFill>
+                  <a:srgbClr val="000000"/>
+                </a:solidFill>
+              </a:rPr>
+              <a:t>1</a:t>
+            </a:r>
+            <a:r>
+              <a:rPr lang="zh-CN" altLang="en-US" sz="1800" dirty="0" smtClean="0">
+                <a:solidFill>
+                  <a:srgbClr val="000000"/>
+                </a:solidFill>
+              </a:rPr>
+              <a:t>：独立</a:t>
+            </a:r>
+            <a:r>
+              <a:rPr lang="zh-CN" altLang="en-US" sz="1800" dirty="0" smtClean="0">
+                <a:solidFill>
+                  <a:srgbClr val="000000"/>
+                </a:solidFill>
+              </a:rPr>
+              <a:t>版本</a:t>
             </a:r>
             <a:endParaRPr lang="en-US" altLang="zh-CN" sz="1800" dirty="0" smtClean="0">
               <a:solidFill>
@@ -4595,11 +4639,6 @@
               </a:rPr>
               <a:t>了。</a:t>
             </a:r>
-            <a:endParaRPr lang="zh-CN" altLang="en-US" sz="1400" dirty="0">
-              <a:solidFill>
-                <a:schemeClr val="tx1"/>
-              </a:solidFill>
-            </a:endParaRPr>
           </a:p>
           <a:p>
             <a:pPr marL="342900" indent="-342900" algn="l">
@@ -4630,6 +4669,30 @@
               <a:buChar char="•"/>
             </a:pPr>
             <a:r>
+              <a:rPr lang="zh-CN" altLang="en-US" sz="1800" dirty="0" smtClean="0">
+                <a:solidFill>
+                  <a:schemeClr val="tx1"/>
+                </a:solidFill>
+              </a:rPr>
+              <a:t>方式</a:t>
+            </a:r>
+            <a:r>
+              <a:rPr lang="en-US" altLang="zh-CN" sz="1800" dirty="0" smtClean="0">
+                <a:solidFill>
+                  <a:schemeClr val="tx1"/>
+                </a:solidFill>
+              </a:rPr>
+              <a:t>2</a:t>
+            </a:r>
+            <a:r>
+              <a:rPr lang="zh-CN" altLang="en-US" sz="1800" dirty="0" smtClean="0">
+                <a:solidFill>
+                  <a:schemeClr val="tx1"/>
+                </a:solidFill>
+              </a:rPr>
+              <a:t>：</a:t>
+            </a:r>
+            <a:r>
               <a:rPr lang="en-US" altLang="zh-CN" sz="1800" dirty="0" smtClean="0">
                 <a:solidFill>
                   <a:schemeClr val="tx1"/>
@@ -4746,7 +4809,31 @@
               <a:buChar char="•"/>
             </a:pPr>
             <a:r>
+              <a:rPr lang="zh-CN" altLang="en-US" sz="1800" dirty="0" smtClean="0">
+                <a:solidFill>
+                  <a:srgbClr val="000000"/>
+                </a:solidFill>
+              </a:rPr>
+              <a:t>方式</a:t>
+            </a:r>
+            <a:r>
               <a:rPr lang="en-US" altLang="zh-CN" sz="1800" dirty="0" smtClean="0">
+                <a:solidFill>
+                  <a:srgbClr val="000000"/>
+                </a:solidFill>
+              </a:rPr>
+              <a:t>3</a:t>
+            </a:r>
+            <a:r>
+              <a:rPr lang="zh-CN" altLang="en-US" sz="1800" smtClean="0">
+                <a:solidFill>
+                  <a:srgbClr val="000000"/>
+                </a:solidFill>
+              </a:rPr>
+              <a:t>：</a:t>
+            </a:r>
+            <a:r>
+              <a:rPr lang="en-US" altLang="zh-CN" sz="1800" smtClean="0">
                 <a:solidFill>
                   <a:srgbClr val="000000"/>
                 </a:solidFill>
@@ -4932,11 +5019,6 @@
               </a:rPr>
               <a:t>也提供配套工具来开发单文件组件。</a:t>
             </a:r>
-            <a:endParaRPr lang="zh-CN" altLang="en-US" sz="1400" dirty="0">
-              <a:solidFill>
-                <a:srgbClr val="000000"/>
-              </a:solidFill>
-            </a:endParaRPr>
           </a:p>
           <a:p>
             <a:pPr lvl="1" algn="l">
@@ -5202,11 +5284,6 @@
               </a:rPr>
               <a:t>:</a:t>
             </a:r>
-            <a:endParaRPr lang="en-US" altLang="zh-CN" dirty="0" smtClean="0">
-              <a:solidFill>
-                <a:srgbClr val="000000"/>
-              </a:solidFill>
-            </a:endParaRPr>
           </a:p>
           <a:p>
             <a:r>
@@ -5332,14 +5409,6 @@
               </a:rPr>
               <a:t>目录</a:t>
             </a:r>
-            <a:endParaRPr lang="zh-CN" altLang="en-US" sz="2800" b="1" dirty="0" smtClean="0">
-              <a:solidFill>
-                <a:schemeClr val="tx2"/>
-              </a:solidFill>
-              <a:latin typeface="微软雅黑" panose="020B0503020204020204" charset="-122"/>
-              <a:ea typeface="微软雅黑" panose="020B0503020204020204" charset="-122"/>
-              <a:cs typeface="微软雅黑" panose="020B0503020204020204" charset="-122"/>
-            </a:endParaRPr>
           </a:p>
         </p:txBody>
       </p:sp>
@@ -5939,11 +6008,6 @@
               </a:rPr>
               <a:t>是什么？</a:t>
             </a:r>
-            <a:endParaRPr lang="zh-CN" altLang="en-US" sz="1600" dirty="0" smtClean="0">
-              <a:solidFill>
-                <a:srgbClr val="000000"/>
-              </a:solidFill>
-            </a:endParaRPr>
           </a:p>
           <a:p>
             <a:pPr algn="l">
@@ -6016,11 +6080,6 @@
               </a:rPr>
               <a:t>层，因此它非常容易学习，非常容易与其它库或已有项目整合。</a:t>
             </a:r>
-            <a:endParaRPr lang="zh-CN" altLang="en-US" sz="1600" dirty="0" smtClean="0">
-              <a:solidFill>
-                <a:srgbClr val="000000"/>
-              </a:solidFill>
-            </a:endParaRPr>
           </a:p>
           <a:p>
             <a:pPr marL="342900" indent="-342900" algn="l">
@@ -6048,12 +6107,6 @@
               </a:rPr>
               <a:t>Vue.js?</a:t>
             </a:r>
-            <a:endParaRPr lang="en-US" altLang="zh-CN" sz="1600" dirty="0" err="1" smtClean="0">
-              <a:solidFill>
-                <a:srgbClr val="000000"/>
-              </a:solidFill>
-              <a:sym typeface="Source Sans Pro"/>
-            </a:endParaRPr>
           </a:p>
           <a:p>
             <a:pPr algn="l">
@@ -6080,12 +6133,6 @@
               </a:rPr>
               <a:t>：</a:t>
             </a:r>
-            <a:endParaRPr lang="zh-CN" altLang="en-US" sz="1600" dirty="0" err="1" smtClean="0">
-              <a:solidFill>
-                <a:srgbClr val="000000"/>
-              </a:solidFill>
-              <a:sym typeface="Source Sans Pro"/>
-            </a:endParaRPr>
           </a:p>
           <a:p>
             <a:pPr algn="l">
@@ -6102,12 +6149,6 @@
               </a:rPr>
               <a:t>	1.重新渲染整个视图是昂贵的</a:t>
             </a:r>
-            <a:endParaRPr lang="en-US" altLang="zh-CN" sz="1600" dirty="0" err="1" smtClean="0">
-              <a:solidFill>
-                <a:srgbClr val="000000"/>
-              </a:solidFill>
-              <a:sym typeface="Source Sans Pro"/>
-            </a:endParaRPr>
           </a:p>
           <a:p>
             <a:pPr algn="l">
@@ -6136,6 +6177,15 @@
                 <a:srgbClr val="FEB409"/>
               </a:buClr>
             </a:pPr>
+            <a:r>
+              <a:rPr lang="en-US" altLang="zh-CN" sz="1800" dirty="0" err="1" smtClean="0">
+                <a:solidFill>
+                  <a:srgbClr val="000000"/>
+                </a:solidFill>
+                <a:sym typeface="Source Sans Pro"/>
+              </a:rPr>
+              <a:t/>
+            </a:r>
             <a:br>
               <a:rPr lang="en-US" altLang="zh-CN" sz="1800" dirty="0" err="1" smtClean="0">
                 <a:solidFill>
@@ -6286,6 +6336,7 @@
           <a:bodyPr lIns="91425" tIns="91425" rIns="91425" bIns="91425" anchor="ctr" anchorCtr="0">
             <a:noAutofit/>
           </a:bodyPr>
+          <a:lstStyle/>
           <a:p>
             <a:pPr lvl="0" algn="ctr" rtl="0">
               <a:spcBef>
@@ -6305,15 +6356,6 @@
               </a:rPr>
               <a:t>视图</a:t>
             </a:r>
-            <a:endParaRPr lang="en-GB" sz="1800" b="1">
-              <a:solidFill>
-                <a:srgbClr val="34495E"/>
-              </a:solidFill>
-              <a:latin typeface="Source Sans Pro"/>
-              <a:ea typeface="Source Sans Pro"/>
-              <a:cs typeface="Source Sans Pro"/>
-              <a:sym typeface="Source Sans Pro"/>
-            </a:endParaRPr>
           </a:p>
           <a:p>
             <a:pPr lvl="0" algn="ctr">
@@ -6334,15 +6376,6 @@
               </a:rPr>
               <a:t>View</a:t>
             </a:r>
-            <a:endParaRPr lang="en-GB" sz="1800" b="1">
-              <a:solidFill>
-                <a:srgbClr val="34495E"/>
-              </a:solidFill>
-              <a:latin typeface="Source Sans Pro"/>
-              <a:ea typeface="Source Sans Pro"/>
-              <a:cs typeface="Source Sans Pro"/>
-              <a:sym typeface="Source Sans Pro"/>
-            </a:endParaRPr>
           </a:p>
         </p:txBody>
       </p:sp>
@@ -6426,6 +6459,7 @@
           <a:bodyPr lIns="91425" tIns="91425" rIns="91425" bIns="91425" anchor="ctr" anchorCtr="0">
             <a:noAutofit/>
           </a:bodyPr>
+          <a:lstStyle/>
           <a:p>
             <a:pPr lvl="0" algn="ctr" rtl="0">
               <a:spcBef>
@@ -6441,11 +6475,6 @@
               </a:rPr>
               <a:t>用户行为</a:t>
             </a:r>
-            <a:endParaRPr lang="en-GB" sz="1800" b="1">
-              <a:solidFill>
-                <a:srgbClr val="34495E"/>
-              </a:solidFill>
-            </a:endParaRPr>
           </a:p>
           <a:p>
             <a:pPr lvl="0" algn="ctr">
@@ -6462,11 +6491,6 @@
               </a:rPr>
               <a:t>User Input</a:t>
             </a:r>
-            <a:endParaRPr lang="en-GB" sz="1800" b="1">
-              <a:solidFill>
-                <a:srgbClr val="34495E"/>
-              </a:solidFill>
-            </a:endParaRPr>
           </a:p>
         </p:txBody>
       </p:sp>
@@ -6497,6 +6521,7 @@
           <a:bodyPr lIns="91425" tIns="91425" rIns="91425" bIns="91425" anchor="ctr" anchorCtr="0">
             <a:noAutofit/>
           </a:bodyPr>
+          <a:lstStyle/>
           <a:p>
             <a:pPr lvl="0" algn="ctr" rtl="0">
               <a:spcBef>
@@ -6516,15 +6541,6 @@
               </a:rPr>
               <a:t>数据模型</a:t>
             </a:r>
-            <a:endParaRPr lang="en-GB" sz="1800" b="1">
-              <a:solidFill>
-                <a:srgbClr val="FFFFFF"/>
-              </a:solidFill>
-              <a:latin typeface="Source Sans Pro"/>
-              <a:ea typeface="Source Sans Pro"/>
-              <a:cs typeface="Source Sans Pro"/>
-              <a:sym typeface="Source Sans Pro"/>
-            </a:endParaRPr>
           </a:p>
           <a:p>
             <a:pPr lvl="0" algn="ctr">
@@ -6545,15 +6561,6 @@
               </a:rPr>
               <a:t>Model</a:t>
             </a:r>
-            <a:endParaRPr lang="en-GB" sz="1800" b="1">
-              <a:solidFill>
-                <a:srgbClr val="FFFFFF"/>
-              </a:solidFill>
-              <a:latin typeface="Source Sans Pro"/>
-              <a:ea typeface="Source Sans Pro"/>
-              <a:cs typeface="Source Sans Pro"/>
-              <a:sym typeface="Source Sans Pro"/>
-            </a:endParaRPr>
           </a:p>
         </p:txBody>
       </p:sp>
@@ -6580,6 +6587,7 @@
           <a:bodyPr lIns="91425" tIns="91425" rIns="91425" bIns="91425" anchor="t" anchorCtr="0">
             <a:noAutofit/>
           </a:bodyPr>
+          <a:lstStyle/>
           <a:p>
             <a:pPr lvl="0" algn="ctr" rtl="0">
               <a:spcBef>
@@ -6595,11 +6603,6 @@
               </a:rPr>
               <a:t>渲染</a:t>
             </a:r>
-            <a:endParaRPr lang="en-GB" b="1">
-              <a:solidFill>
-                <a:srgbClr val="34495E"/>
-              </a:solidFill>
-            </a:endParaRPr>
           </a:p>
         </p:txBody>
       </p:sp>
@@ -6620,7 +6623,14 @@
         <p:cNvGrpSpPr/>
         <p:nvPr/>
       </p:nvGrpSpPr>
-      <p:grpSpPr/>
+      <p:grpSpPr>
+        <a:xfrm>
+          <a:off x="0" y="0"/>
+          <a:ext cx="0" cy="0"/>
+          <a:chOff x="0" y="0"/>
+          <a:chExt cx="0" cy="0"/>
+        </a:xfrm>
+      </p:grpSpPr>
       <p:sp>
         <p:nvSpPr>
           <p:cNvPr id="130" name="Shape 130"/>
@@ -6644,6 +6654,7 @@
           <a:bodyPr lIns="91425" tIns="91425" rIns="91425" bIns="91425" anchor="t" anchorCtr="0">
             <a:noAutofit/>
           </a:bodyPr>
+          <a:lstStyle/>
           <a:p>
             <a:pPr lvl="0" algn="ctr">
               <a:spcBef>
@@ -6660,12 +6671,6 @@
               </a:rPr>
               <a:t>DOM</a:t>
             </a:r>
-            <a:endParaRPr lang="en-GB" sz="2400" b="1">
-              <a:latin typeface="Source Sans Pro"/>
-              <a:ea typeface="Source Sans Pro"/>
-              <a:cs typeface="Source Sans Pro"/>
-              <a:sym typeface="Source Sans Pro"/>
-            </a:endParaRPr>
           </a:p>
         </p:txBody>
       </p:sp>
@@ -6692,6 +6697,7 @@
           <a:bodyPr lIns="91425" tIns="91425" rIns="91425" bIns="91425" anchor="t" anchorCtr="0">
             <a:noAutofit/>
           </a:bodyPr>
+          <a:lstStyle/>
           <a:p>
             <a:pPr lvl="0" algn="ctr" rtl="0">
               <a:spcBef>
@@ -6708,12 +6714,6 @@
               </a:rPr>
               <a:t>POJO</a:t>
             </a:r>
-            <a:endParaRPr lang="en-GB" sz="2400" b="1">
-              <a:latin typeface="Source Sans Pro"/>
-              <a:ea typeface="Source Sans Pro"/>
-              <a:cs typeface="Source Sans Pro"/>
-              <a:sym typeface="Source Sans Pro"/>
-            </a:endParaRPr>
           </a:p>
           <a:p>
             <a:pPr lvl="0" algn="ctr" rtl="0">
@@ -6731,12 +6731,6 @@
               </a:rPr>
               <a:t>(原生JS对象)</a:t>
             </a:r>
-            <a:endParaRPr lang="en-GB" b="1">
-              <a:latin typeface="Source Sans Pro"/>
-              <a:ea typeface="Source Sans Pro"/>
-              <a:cs typeface="Source Sans Pro"/>
-              <a:sym typeface="Source Sans Pro"/>
-            </a:endParaRPr>
           </a:p>
         </p:txBody>
       </p:sp>
@@ -6763,6 +6757,7 @@
           <a:bodyPr lIns="91425" tIns="91425" rIns="91425" bIns="91425" anchor="t" anchorCtr="0">
             <a:noAutofit/>
           </a:bodyPr>
+          <a:lstStyle/>
           <a:p>
             <a:pPr lvl="0" algn="ctr" rtl="0">
               <a:spcBef>
@@ -6779,12 +6774,6 @@
               </a:rPr>
               <a:t>Vue</a:t>
             </a:r>
-            <a:endParaRPr lang="en-GB" sz="2400" b="1">
-              <a:latin typeface="Source Sans Pro"/>
-              <a:ea typeface="Source Sans Pro"/>
-              <a:cs typeface="Source Sans Pro"/>
-              <a:sym typeface="Source Sans Pro"/>
-            </a:endParaRPr>
           </a:p>
         </p:txBody>
       </p:sp>
@@ -6897,6 +6886,7 @@
           <a:bodyPr lIns="91425" tIns="91425" rIns="91425" bIns="91425" anchor="ctr" anchorCtr="0">
             <a:noAutofit/>
           </a:bodyPr>
+          <a:lstStyle/>
           <a:p>
             <a:pPr lvl="0" algn="ctr" rtl="0">
               <a:spcBef>
@@ -6916,15 +6906,6 @@
               </a:rPr>
               <a:t>View</a:t>
             </a:r>
-            <a:endParaRPr lang="en-GB" sz="1800" b="1">
-              <a:solidFill>
-                <a:srgbClr val="34495E"/>
-              </a:solidFill>
-              <a:latin typeface="Source Sans Pro"/>
-              <a:ea typeface="Source Sans Pro"/>
-              <a:cs typeface="Source Sans Pro"/>
-              <a:sym typeface="Source Sans Pro"/>
-            </a:endParaRPr>
           </a:p>
         </p:txBody>
       </p:sp>
@@ -6955,6 +6936,7 @@
           <a:bodyPr lIns="91425" tIns="91425" rIns="91425" bIns="91425" anchor="ctr" anchorCtr="0">
             <a:noAutofit/>
           </a:bodyPr>
+          <a:lstStyle/>
           <a:p>
             <a:pPr lvl="0" algn="ctr" rtl="0">
               <a:spcBef>
@@ -6970,11 +6952,6 @@
               </a:rPr>
               <a:t>ViewModel</a:t>
             </a:r>
-            <a:endParaRPr lang="en-GB" b="1">
-              <a:solidFill>
-                <a:srgbClr val="FFFFFF"/>
-              </a:solidFill>
-            </a:endParaRPr>
           </a:p>
         </p:txBody>
       </p:sp>
@@ -7005,6 +6982,7 @@
           <a:bodyPr lIns="91425" tIns="91425" rIns="91425" bIns="91425" anchor="ctr" anchorCtr="0">
             <a:noAutofit/>
           </a:bodyPr>
+          <a:lstStyle/>
           <a:p>
             <a:pPr lvl="0" algn="ctr" rtl="0">
               <a:spcBef>
@@ -7024,15 +7002,6 @@
               </a:rPr>
               <a:t>Model</a:t>
             </a:r>
-            <a:endParaRPr lang="en-GB" sz="1800" b="1">
-              <a:solidFill>
-                <a:srgbClr val="FFFFFF"/>
-              </a:solidFill>
-              <a:latin typeface="Source Sans Pro"/>
-              <a:ea typeface="Source Sans Pro"/>
-              <a:cs typeface="Source Sans Pro"/>
-              <a:sym typeface="Source Sans Pro"/>
-            </a:endParaRPr>
           </a:p>
         </p:txBody>
       </p:sp>
@@ -7244,7 +7213,7 @@
   <p:cSld>
     <p:spTree>
       <p:nvGrpSpPr>
-        <p:cNvPr id="156" name="Shape 156"/>
+        <p:cNvPr id="1" name="Shape 156"/>
         <p:cNvGrpSpPr/>
         <p:nvPr/>
       </p:nvGrpSpPr>
@@ -7547,7 +7516,7 @@
               </a:rPr>
               <a:t>'Hello Vue.js!'</a:t>
             </a:r>
-            <a:br>
+            <a:r>
               <a:rPr lang="en-GB" sz="1200">
                 <a:solidFill>
                   <a:srgbClr val="080808"/>
@@ -7560,8 +7529,9 @@
                 <a:cs typeface="Consolas" panose="020B0609020204030204"/>
                 <a:sym typeface="Consolas" panose="020B0609020204030204"/>
               </a:rPr>
-            </a:br>
-            <a:r>
+              <a:t/>
+            </a:r>
+            <a:br>
               <a:rPr lang="en-GB" sz="1200">
                 <a:solidFill>
                   <a:srgbClr val="080808"/>
@@ -7574,9 +7544,8 @@
                 <a:cs typeface="Consolas" panose="020B0609020204030204"/>
                 <a:sym typeface="Consolas" panose="020B0609020204030204"/>
               </a:rPr>
-              <a:t>  }</a:t>
-            </a:r>
-            <a:br>
+            </a:br>
+            <a:r>
               <a:rPr lang="en-GB" sz="1200">
                 <a:solidFill>
                   <a:srgbClr val="080808"/>
@@ -7589,8 +7558,9 @@
                 <a:cs typeface="Consolas" panose="020B0609020204030204"/>
                 <a:sym typeface="Consolas" panose="020B0609020204030204"/>
               </a:rPr>
-            </a:br>
-            <a:r>
+              <a:t>  }</a:t>
+            </a:r>
+            <a:br>
               <a:rPr lang="en-GB" sz="1200">
                 <a:solidFill>
                   <a:srgbClr val="080808"/>
@@ -7603,20 +7573,22 @@
                 <a:cs typeface="Consolas" panose="020B0609020204030204"/>
                 <a:sym typeface="Consolas" panose="020B0609020204030204"/>
               </a:rPr>
+            </a:br>
+            <a:r>
+              <a:rPr lang="en-GB" sz="1200">
+                <a:solidFill>
+                  <a:srgbClr val="080808"/>
+                </a:solidFill>
+                <a:highlight>
+                  <a:srgbClr val="F9F9F9"/>
+                </a:highlight>
+                <a:latin typeface="Consolas" panose="020B0609020204030204"/>
+                <a:ea typeface="Consolas" panose="020B0609020204030204"/>
+                <a:cs typeface="Consolas" panose="020B0609020204030204"/>
+                <a:sym typeface="Consolas" panose="020B0609020204030204"/>
+              </a:rPr>
               <a:t>})</a:t>
             </a:r>
-            <a:endParaRPr lang="en-GB" sz="1200">
-              <a:solidFill>
-                <a:srgbClr val="080808"/>
-              </a:solidFill>
-              <a:highlight>
-                <a:srgbClr val="F9F9F9"/>
-              </a:highlight>
-              <a:latin typeface="Consolas" panose="020B0609020204030204"/>
-              <a:ea typeface="Consolas" panose="020B0609020204030204"/>
-              <a:cs typeface="Consolas" panose="020B0609020204030204"/>
-              <a:sym typeface="Consolas" panose="020B0609020204030204"/>
-            </a:endParaRPr>
           </a:p>
           <a:p>
             <a:pPr lvl="0" rtl="0">
@@ -7935,18 +7907,6 @@
               </a:rPr>
               <a:t>&gt;</a:t>
             </a:r>
-            <a:endParaRPr lang="en-GB" sz="1200">
-              <a:solidFill>
-                <a:srgbClr val="080808"/>
-              </a:solidFill>
-              <a:highlight>
-                <a:srgbClr val="F9F9F9"/>
-              </a:highlight>
-              <a:latin typeface="Consolas" panose="020B0609020204030204"/>
-              <a:ea typeface="Consolas" panose="020B0609020204030204"/>
-              <a:cs typeface="Consolas" panose="020B0609020204030204"/>
-              <a:sym typeface="Consolas" panose="020B0609020204030204"/>
-            </a:endParaRPr>
           </a:p>
           <a:p>
             <a:pPr lvl="0" rtl="0">
@@ -8005,15 +7965,6 @@
               </a:rPr>
               <a:t>JavaScript</a:t>
             </a:r>
-            <a:endParaRPr lang="en-GB" b="1">
-              <a:solidFill>
-                <a:srgbClr val="34495E"/>
-              </a:solidFill>
-              <a:latin typeface="Source Sans Pro"/>
-              <a:ea typeface="Source Sans Pro"/>
-              <a:cs typeface="Source Sans Pro"/>
-              <a:sym typeface="Source Sans Pro"/>
-            </a:endParaRPr>
           </a:p>
         </p:txBody>
       </p:sp>
@@ -8060,15 +8011,6 @@
               </a:rPr>
               <a:t>指令 Directive</a:t>
             </a:r>
-            <a:endParaRPr lang="en-GB" sz="1350" b="1">
-              <a:solidFill>
-                <a:srgbClr val="42B983"/>
-              </a:solidFill>
-              <a:latin typeface="Source Sans Pro"/>
-              <a:ea typeface="Source Sans Pro"/>
-              <a:cs typeface="Source Sans Pro"/>
-              <a:sym typeface="Source Sans Pro"/>
-            </a:endParaRPr>
           </a:p>
           <a:p>
             <a:pPr lvl="0" algn="ctr">
@@ -8089,15 +8031,6 @@
               </a:rPr>
               <a:t>（插值其实被编译为 v-text 指令）</a:t>
             </a:r>
-            <a:endParaRPr lang="en-GB" sz="1350" b="1">
-              <a:solidFill>
-                <a:srgbClr val="42B983"/>
-              </a:solidFill>
-              <a:latin typeface="Source Sans Pro"/>
-              <a:ea typeface="Source Sans Pro"/>
-              <a:cs typeface="Source Sans Pro"/>
-              <a:sym typeface="Source Sans Pro"/>
-            </a:endParaRPr>
           </a:p>
         </p:txBody>
       </p:sp>
@@ -8198,15 +8131,6 @@
               </a:rPr>
               <a:t>ViewModel</a:t>
             </a:r>
-            <a:endParaRPr lang="en-GB" sz="1350" b="1">
-              <a:solidFill>
-                <a:srgbClr val="42B983"/>
-              </a:solidFill>
-              <a:latin typeface="Source Sans Pro"/>
-              <a:ea typeface="Source Sans Pro"/>
-              <a:cs typeface="Source Sans Pro"/>
-              <a:sym typeface="Source Sans Pro"/>
-            </a:endParaRPr>
           </a:p>
         </p:txBody>
       </p:sp>
@@ -8281,15 +8205,6 @@
               </a:rPr>
               <a:t>Model</a:t>
             </a:r>
-            <a:endParaRPr lang="en-GB" sz="1350" b="1">
-              <a:solidFill>
-                <a:srgbClr val="42B983"/>
-              </a:solidFill>
-              <a:latin typeface="Source Sans Pro"/>
-              <a:ea typeface="Source Sans Pro"/>
-              <a:cs typeface="Source Sans Pro"/>
-              <a:sym typeface="Source Sans Pro"/>
-            </a:endParaRPr>
           </a:p>
         </p:txBody>
       </p:sp>
@@ -8365,15 +8280,6 @@
               </a:rPr>
               <a:t>View</a:t>
             </a:r>
-            <a:endParaRPr lang="en-GB" sz="1350" b="1">
-              <a:solidFill>
-                <a:srgbClr val="42B983"/>
-              </a:solidFill>
-              <a:latin typeface="Source Sans Pro"/>
-              <a:ea typeface="Source Sans Pro"/>
-              <a:cs typeface="Source Sans Pro"/>
-              <a:sym typeface="Source Sans Pro"/>
-            </a:endParaRPr>
           </a:p>
         </p:txBody>
       </p:sp>
@@ -8420,15 +8326,6 @@
               </a:rPr>
               <a:t>HTML</a:t>
             </a:r>
-            <a:endParaRPr lang="en-GB" b="1">
-              <a:solidFill>
-                <a:srgbClr val="34495E"/>
-              </a:solidFill>
-              <a:latin typeface="Source Sans Pro"/>
-              <a:ea typeface="Source Sans Pro"/>
-              <a:cs typeface="Source Sans Pro"/>
-              <a:sym typeface="Source Sans Pro"/>
-            </a:endParaRPr>
           </a:p>
         </p:txBody>
       </p:sp>
@@ -8543,7 +8440,14 @@
         <p:cNvGrpSpPr/>
         <p:nvPr/>
       </p:nvGrpSpPr>
-      <p:grpSpPr/>
+      <p:grpSpPr>
+        <a:xfrm>
+          <a:off x="0" y="0"/>
+          <a:ext cx="0" cy="0"/>
+          <a:chOff x="0" y="0"/>
+          <a:chExt cx="0" cy="0"/>
+        </a:xfrm>
+      </p:grpSpPr>
       <p:sp>
         <p:nvSpPr>
           <p:cNvPr id="4" name="文本框 3"/>
@@ -8564,152 +8468,132 @@
           <a:bodyPr wrap="square" rtlCol="0" anchor="t">
             <a:spAutoFit/>
           </a:bodyPr>
+          <a:lstStyle/>
           <a:p>
             <a:r>
               <a:rPr lang="zh-CN" altLang="en-US" sz="1000"/>
               <a:t>&lt;!DOCTYPE html&gt;</a:t>
             </a:r>
-            <a:endParaRPr lang="zh-CN" altLang="en-US" sz="1000"/>
           </a:p>
           <a:p>
             <a:r>
               <a:rPr lang="zh-CN" altLang="en-US" sz="1000"/>
               <a:t>&lt;html&gt;</a:t>
             </a:r>
-            <a:endParaRPr lang="zh-CN" altLang="en-US" sz="1000"/>
           </a:p>
           <a:p>
             <a:r>
               <a:rPr lang="zh-CN" altLang="en-US" sz="1000"/>
               <a:t>	&lt;head&gt;</a:t>
             </a:r>
-            <a:endParaRPr lang="zh-CN" altLang="en-US" sz="1000"/>
           </a:p>
           <a:p>
             <a:r>
               <a:rPr lang="zh-CN" altLang="en-US" sz="1000"/>
               <a:t>		&lt;meta charset="UTF-8"&gt;</a:t>
             </a:r>
-            <a:endParaRPr lang="zh-CN" altLang="en-US" sz="1000"/>
           </a:p>
           <a:p>
             <a:r>
               <a:rPr lang="zh-CN" altLang="en-US" sz="1000"/>
               <a:t>		&lt;title&gt;什么是Vue&lt;/title&gt;</a:t>
             </a:r>
-            <a:endParaRPr lang="zh-CN" altLang="en-US" sz="1000"/>
           </a:p>
           <a:p>
             <a:r>
               <a:rPr lang="zh-CN" altLang="en-US" sz="1000"/>
               <a:t>	&lt;/head&gt;</a:t>
             </a:r>
-            <a:endParaRPr lang="zh-CN" altLang="en-US" sz="1000"/>
           </a:p>
           <a:p>
             <a:r>
               <a:rPr lang="zh-CN" altLang="en-US" sz="1000"/>
               <a:t>	&lt;body&gt;</a:t>
             </a:r>
-            <a:endParaRPr lang="zh-CN" altLang="en-US" sz="1000"/>
           </a:p>
           <a:p>
             <a:r>
               <a:rPr lang="zh-CN" altLang="en-US" sz="1000"/>
               <a:t>		&lt;div id="demo"&gt;</a:t>
             </a:r>
-            <a:endParaRPr lang="zh-CN" altLang="en-US" sz="1000"/>
           </a:p>
           <a:p>
             <a:r>
               <a:rPr lang="zh-CN" altLang="en-US" sz="1000"/>
               <a:t>			&lt;h1&gt;{{msg}}&lt;/h1&gt;</a:t>
             </a:r>
-            <a:endParaRPr lang="zh-CN" altLang="en-US" sz="1000"/>
           </a:p>
           <a:p>
             <a:r>
               <a:rPr lang="zh-CN" altLang="en-US" sz="1000"/>
               <a:t>		&lt;/div&gt;</a:t>
             </a:r>
-            <a:endParaRPr lang="zh-CN" altLang="en-US" sz="1000"/>
           </a:p>
           <a:p>
             <a:r>
               <a:rPr lang="zh-CN" altLang="en-US" sz="1000"/>
               <a:t>		&lt;script src="vue.js" type="text/javascript" charset="utf-8"&gt;&lt;/script&gt;</a:t>
             </a:r>
-            <a:endParaRPr lang="zh-CN" altLang="en-US" sz="1000"/>
           </a:p>
           <a:p>
             <a:r>
               <a:rPr lang="zh-CN" altLang="en-US" sz="1000"/>
               <a:t>		&lt;script type="text/javascript"&gt;</a:t>
             </a:r>
-            <a:endParaRPr lang="zh-CN" altLang="en-US" sz="1000"/>
           </a:p>
           <a:p>
             <a:r>
               <a:rPr lang="zh-CN" altLang="en-US" sz="1000"/>
               <a:t>			var vm = new Vue({</a:t>
             </a:r>
-            <a:endParaRPr lang="zh-CN" altLang="en-US" sz="1000"/>
           </a:p>
           <a:p>
             <a:r>
               <a:rPr lang="zh-CN" altLang="en-US" sz="1000"/>
               <a:t>				el:'#demo',</a:t>
             </a:r>
-            <a:endParaRPr lang="zh-CN" altLang="en-US" sz="1000"/>
           </a:p>
           <a:p>
             <a:r>
               <a:rPr lang="zh-CN" altLang="en-US" sz="1000"/>
               <a:t>				data:{</a:t>
             </a:r>
-            <a:endParaRPr lang="zh-CN" altLang="en-US" sz="1000"/>
           </a:p>
           <a:p>
             <a:r>
               <a:rPr lang="zh-CN" altLang="en-US" sz="1000"/>
               <a:t>					msg:'hello vue.js'</a:t>
             </a:r>
-            <a:endParaRPr lang="zh-CN" altLang="en-US" sz="1000"/>
           </a:p>
           <a:p>
             <a:r>
               <a:rPr lang="zh-CN" altLang="en-US" sz="1000"/>
               <a:t>				}</a:t>
             </a:r>
-            <a:endParaRPr lang="zh-CN" altLang="en-US" sz="1000"/>
           </a:p>
           <a:p>
             <a:r>
               <a:rPr lang="zh-CN" altLang="en-US" sz="1000"/>
               <a:t>			});</a:t>
             </a:r>
-            <a:endParaRPr lang="zh-CN" altLang="en-US" sz="1000"/>
           </a:p>
           <a:p>
             <a:r>
               <a:rPr lang="zh-CN" altLang="en-US" sz="1000"/>
               <a:t>		&lt;/script&gt;</a:t>
             </a:r>
-            <a:endParaRPr lang="zh-CN" altLang="en-US" sz="1000"/>
           </a:p>
           <a:p>
             <a:r>
               <a:rPr lang="zh-CN" altLang="en-US" sz="1000"/>
               <a:t>	&lt;/body&gt;</a:t>
             </a:r>
-            <a:endParaRPr lang="zh-CN" altLang="en-US" sz="1000"/>
           </a:p>
           <a:p>
             <a:r>
               <a:rPr lang="zh-CN" altLang="en-US" sz="1000"/>
               <a:t>&lt;/html&gt;</a:t>
             </a:r>
-            <a:endParaRPr lang="zh-CN" altLang="en-US" sz="1000"/>
           </a:p>
         </p:txBody>
       </p:sp>
@@ -8804,14 +8688,6 @@
               </a:rPr>
               <a:t>helloworld</a:t>
             </a:r>
-            <a:endParaRPr lang="en-US" altLang="zh-CN" sz="2800" dirty="0" smtClean="0">
-              <a:solidFill>
-                <a:schemeClr val="tx2"/>
-              </a:solidFill>
-              <a:latin typeface="微软雅黑" panose="020B0503020204020204" charset="-122"/>
-              <a:ea typeface="微软雅黑" panose="020B0503020204020204" charset="-122"/>
-              <a:cs typeface="微软雅黑" panose="020B0503020204020204" charset="-122"/>
-            </a:endParaRPr>
           </a:p>
         </p:txBody>
       </p:sp>
@@ -8828,7 +8704,7 @@
   <p:cSld>
     <p:spTree>
       <p:nvGrpSpPr>
-        <p:cNvPr id="172" name="Shape 172"/>
+        <p:cNvPr id="1" name="Shape 172"/>
         <p:cNvGrpSpPr/>
         <p:nvPr/>
       </p:nvGrpSpPr>
@@ -8887,15 +8763,6 @@
               </a:rPr>
               <a:t>View</a:t>
             </a:r>
-            <a:endParaRPr lang="en-GB" sz="1350" b="1">
-              <a:solidFill>
-                <a:srgbClr val="34495E"/>
-              </a:solidFill>
-              <a:latin typeface="Source Sans Pro"/>
-              <a:ea typeface="Source Sans Pro"/>
-              <a:cs typeface="Source Sans Pro"/>
-              <a:sym typeface="Source Sans Pro"/>
-            </a:endParaRPr>
           </a:p>
         </p:txBody>
       </p:sp>
@@ -8989,15 +8856,6 @@
               </a:rPr>
               <a:t>Model</a:t>
             </a:r>
-            <a:endParaRPr lang="en-GB" sz="1350" b="1">
-              <a:solidFill>
-                <a:srgbClr val="FFFFFF"/>
-              </a:solidFill>
-              <a:latin typeface="Source Sans Pro"/>
-              <a:ea typeface="Source Sans Pro"/>
-              <a:cs typeface="Source Sans Pro"/>
-              <a:sym typeface="Source Sans Pro"/>
-            </a:endParaRPr>
           </a:p>
         </p:txBody>
       </p:sp>
@@ -9152,15 +9010,6 @@
               </a:rPr>
               <a:t>DOM Listeners</a:t>
             </a:r>
-            <a:endParaRPr lang="en-GB" sz="1350" b="1">
-              <a:solidFill>
-                <a:srgbClr val="FFFFFF"/>
-              </a:solidFill>
-              <a:latin typeface="Source Sans Pro"/>
-              <a:ea typeface="Source Sans Pro"/>
-              <a:cs typeface="Source Sans Pro"/>
-              <a:sym typeface="Source Sans Pro"/>
-            </a:endParaRPr>
           </a:p>
         </p:txBody>
       </p:sp>
@@ -9211,15 +9060,6 @@
               </a:rPr>
               <a:t>Directives</a:t>
             </a:r>
-            <a:endParaRPr lang="en-GB" sz="1350" b="1">
-              <a:solidFill>
-                <a:srgbClr val="34495E"/>
-              </a:solidFill>
-              <a:latin typeface="Source Sans Pro"/>
-              <a:ea typeface="Source Sans Pro"/>
-              <a:cs typeface="Source Sans Pro"/>
-              <a:sym typeface="Source Sans Pro"/>
-            </a:endParaRPr>
           </a:p>
         </p:txBody>
       </p:sp>
@@ -9266,15 +9106,6 @@
               </a:rPr>
               <a:t>ViewModel</a:t>
             </a:r>
-            <a:endParaRPr lang="en-GB" sz="1350" b="1">
-              <a:solidFill>
-                <a:srgbClr val="FFFFFF"/>
-              </a:solidFill>
-              <a:latin typeface="Source Sans Pro"/>
-              <a:ea typeface="Source Sans Pro"/>
-              <a:cs typeface="Source Sans Pro"/>
-              <a:sym typeface="Source Sans Pro"/>
-            </a:endParaRPr>
           </a:p>
         </p:txBody>
       </p:sp>
@@ -9317,11 +9148,6 @@
               </a:rPr>
               <a:t>应用逻辑全部是数据操作</a:t>
             </a:r>
-            <a:endParaRPr lang="en-GB" sz="1350" b="1">
-              <a:solidFill>
-                <a:srgbClr val="42B983"/>
-              </a:solidFill>
-            </a:endParaRPr>
           </a:p>
         </p:txBody>
       </p:sp>
@@ -9396,15 +9222,6 @@
               </a:rPr>
               <a:t>DOM 操作封装在指令中</a:t>
             </a:r>
-            <a:endParaRPr lang="en-GB" sz="1350" b="1">
-              <a:solidFill>
-                <a:srgbClr val="42B983"/>
-              </a:solidFill>
-              <a:latin typeface="Source Sans Pro"/>
-              <a:ea typeface="Source Sans Pro"/>
-              <a:cs typeface="Source Sans Pro"/>
-              <a:sym typeface="Source Sans Pro"/>
-            </a:endParaRPr>
           </a:p>
         </p:txBody>
       </p:sp>
@@ -9654,6 +9471,7 @@
           <a:p>
             <a:fld id="{66BA2CA0-7482-E041-A3A2-16017A68AF1E}" type="slidenum">
               <a:rPr kumimoji="1" lang="zh-CN" altLang="en-US" smtClean="0"/>
+              <a:t>8</a:t>
             </a:fld>
             <a:endParaRPr kumimoji="1" lang="zh-CN" altLang="en-US" dirty="0"/>
           </a:p>
@@ -9833,16 +9651,6 @@
               </a:rPr>
               <a:t> </a:t>
             </a:r>
-            <a:endParaRPr kumimoji="1" lang="en-US" altLang="zh-CN" sz="1100" dirty="0" smtClean="0">
-              <a:solidFill>
-                <a:schemeClr val="bg1">
-                  <a:lumMod val="65000"/>
-                </a:schemeClr>
-              </a:solidFill>
-              <a:latin typeface="微软雅黑" panose="020B0503020204020204" charset="-122"/>
-              <a:ea typeface="微软雅黑" panose="020B0503020204020204" charset="-122"/>
-              <a:cs typeface="微软雅黑" panose="020B0503020204020204" charset="-122"/>
-            </a:endParaRPr>
           </a:p>
           <a:p>
             <a:pPr>
@@ -9946,16 +9754,6 @@
               </a:rPr>
               <a:t> </a:t>
             </a:r>
-            <a:endParaRPr kumimoji="1" lang="en-US" altLang="zh-CN" sz="1100" dirty="0" smtClean="0">
-              <a:solidFill>
-                <a:schemeClr val="bg1">
-                  <a:lumMod val="65000"/>
-                </a:schemeClr>
-              </a:solidFill>
-              <a:latin typeface="微软雅黑" panose="020B0503020204020204" charset="-122"/>
-              <a:ea typeface="微软雅黑" panose="020B0503020204020204" charset="-122"/>
-              <a:cs typeface="微软雅黑" panose="020B0503020204020204" charset="-122"/>
-            </a:endParaRPr>
           </a:p>
           <a:p>
             <a:pPr>
@@ -10046,16 +9844,6 @@
               </a:rPr>
               <a:t>用解耦、可复用的组件来构造界面。</a:t>
             </a:r>
-            <a:endParaRPr kumimoji="1" lang="zh-CN" altLang="en-US" sz="1100" dirty="0" smtClean="0">
-              <a:solidFill>
-                <a:schemeClr val="bg1">
-                  <a:lumMod val="65000"/>
-                </a:schemeClr>
-              </a:solidFill>
-              <a:latin typeface="微软雅黑" panose="020B0503020204020204" charset="-122"/>
-              <a:ea typeface="微软雅黑" panose="020B0503020204020204" charset="-122"/>
-              <a:cs typeface="微软雅黑" panose="020B0503020204020204" charset="-122"/>
-            </a:endParaRPr>
           </a:p>
           <a:p>
             <a:pPr>
@@ -10076,16 +9864,6 @@
               </a:rPr>
               <a:t> </a:t>
             </a:r>
-            <a:endParaRPr kumimoji="1" lang="en-US" altLang="zh-CN" sz="1100" dirty="0" smtClean="0">
-              <a:solidFill>
-                <a:schemeClr val="bg1">
-                  <a:lumMod val="65000"/>
-                </a:schemeClr>
-              </a:solidFill>
-              <a:latin typeface="微软雅黑" panose="020B0503020204020204" charset="-122"/>
-              <a:ea typeface="微软雅黑" panose="020B0503020204020204" charset="-122"/>
-              <a:cs typeface="微软雅黑" panose="020B0503020204020204" charset="-122"/>
-            </a:endParaRPr>
           </a:p>
           <a:p>
             <a:pPr>
@@ -10432,16 +10210,6 @@
               </a:rPr>
               <a:t>更新。</a:t>
             </a:r>
-            <a:endParaRPr kumimoji="1" lang="zh-CN" altLang="en-US" sz="1100" dirty="0" smtClean="0">
-              <a:solidFill>
-                <a:schemeClr val="bg1">
-                  <a:lumMod val="65000"/>
-                </a:schemeClr>
-              </a:solidFill>
-              <a:latin typeface="微软雅黑" panose="020B0503020204020204" charset="-122"/>
-              <a:ea typeface="微软雅黑" panose="020B0503020204020204" charset="-122"/>
-              <a:cs typeface="微软雅黑" panose="020B0503020204020204" charset="-122"/>
-            </a:endParaRPr>
           </a:p>
           <a:p>
             <a:pPr>
@@ -10601,16 +10369,6 @@
               </a:rPr>
               <a:t>安装，无缝融入你的工作流。</a:t>
             </a:r>
-            <a:endParaRPr kumimoji="1" lang="zh-CN" altLang="en-US" sz="1100" dirty="0" smtClean="0">
-              <a:solidFill>
-                <a:schemeClr val="bg1">
-                  <a:lumMod val="65000"/>
-                </a:schemeClr>
-              </a:solidFill>
-              <a:latin typeface="微软雅黑" panose="020B0503020204020204" charset="-122"/>
-              <a:ea typeface="微软雅黑" panose="020B0503020204020204" charset="-122"/>
-              <a:cs typeface="微软雅黑" panose="020B0503020204020204" charset="-122"/>
-            </a:endParaRPr>
           </a:p>
           <a:p>
             <a:pPr>
@@ -10758,6 +10516,7 @@
           <a:p>
             <a:fld id="{66BA2CA0-7482-E041-A3A2-16017A68AF1E}" type="slidenum">
               <a:rPr kumimoji="1" lang="zh-CN" altLang="en-US" smtClean="0"/>
+              <a:t>9</a:t>
             </a:fld>
             <a:endParaRPr kumimoji="1" lang="zh-CN" altLang="en-US" dirty="0"/>
           </a:p>
@@ -10998,11 +10757,6 @@
               </a:rPr>
               <a:t>月。目前通用的版本有：</a:t>
             </a:r>
-            <a:endParaRPr lang="zh-CN" altLang="en-US" sz="1800" dirty="0" smtClean="0">
-              <a:solidFill>
-                <a:schemeClr val="tx1"/>
-              </a:solidFill>
-            </a:endParaRPr>
           </a:p>
           <a:p>
             <a:pPr algn="l">
@@ -11037,11 +10791,6 @@
               </a:rPr>
               <a:t>Vue.js 0.11   </a:t>
             </a:r>
-            <a:endParaRPr lang="hr-HR" altLang="zh-CN" sz="1800" dirty="0" smtClean="0">
-              <a:solidFill>
-                <a:srgbClr val="000000"/>
-              </a:solidFill>
-            </a:endParaRPr>
           </a:p>
           <a:p>
             <a:pPr algn="l">
@@ -11068,11 +10817,6 @@
               </a:rPr>
               <a:t>2</a:t>
             </a:r>
-            <a:endParaRPr lang="en-US" altLang="zh-CN" sz="1800" dirty="0" smtClean="0">
-              <a:solidFill>
-                <a:srgbClr val="000000"/>
-              </a:solidFill>
-            </a:endParaRPr>
           </a:p>
           <a:p>
             <a:pPr algn="l">

--- a/01 vueJs入门.pptx
+++ b/01 vueJs入门.pptx
@@ -1,25 +1,26 @@
 
 <file path=ppt/presentation.xml><?xml version="1.0" encoding="utf-8"?>
-<p:presentation xmlns:a="http://schemas.openxmlformats.org/drawingml/2006/main" xmlns:r="http://schemas.openxmlformats.org/officeDocument/2006/relationships" xmlns:p="http://schemas.openxmlformats.org/presentationml/2006/main" saveSubsetFonts="1" autoCompressPictures="0">
+<p:presentation xmlns:a="http://schemas.openxmlformats.org/drawingml/2006/main" xmlns:r="http://schemas.openxmlformats.org/officeDocument/2006/relationships" xmlns:p="http://schemas.openxmlformats.org/presentationml/2006/main" autoCompressPictures="0">
   <p:sldMasterIdLst>
     <p:sldMasterId id="2147483648" r:id="rId1"/>
   </p:sldMasterIdLst>
   <p:notesMasterIdLst>
-    <p:notesMasterId r:id="rId14"/>
+    <p:notesMasterId r:id="rId8"/>
   </p:notesMasterIdLst>
   <p:sldIdLst>
-    <p:sldId id="267" r:id="rId2"/>
-    <p:sldId id="263" r:id="rId3"/>
-    <p:sldId id="256" r:id="rId4"/>
-    <p:sldId id="276" r:id="rId5"/>
-    <p:sldId id="280" r:id="rId6"/>
-    <p:sldId id="287" r:id="rId7"/>
-    <p:sldId id="279" r:id="rId8"/>
-    <p:sldId id="258" r:id="rId9"/>
-    <p:sldId id="259" r:id="rId10"/>
-    <p:sldId id="260" r:id="rId11"/>
-    <p:sldId id="261" r:id="rId12"/>
-    <p:sldId id="262" r:id="rId13"/>
+    <p:sldId id="267" r:id="rId3"/>
+    <p:sldId id="263" r:id="rId4"/>
+    <p:sldId id="256" r:id="rId5"/>
+    <p:sldId id="276" r:id="rId6"/>
+    <p:sldId id="280" r:id="rId7"/>
+    <p:sldId id="287" r:id="rId9"/>
+    <p:sldId id="279" r:id="rId10"/>
+    <p:sldId id="258" r:id="rId11"/>
+    <p:sldId id="259" r:id="rId12"/>
+    <p:sldId id="260" r:id="rId13"/>
+    <p:sldId id="261" r:id="rId14"/>
+    <p:sldId id="262" r:id="rId15"/>
+    <p:sldId id="294" r:id="rId16"/>
   </p:sldIdLst>
   <p:sldSz cx="9144000" cy="5143500" type="screen16x9"/>
   <p:notesSz cx="6858000" cy="9144000"/>
@@ -118,22 +119,6 @@
       </a:defRPr>
     </a:lvl9pPr>
   </p:defaultTextStyle>
-  <p:extLst>
-    <p:ext uri="{EFAFB233-063F-42B5-8137-9DF3F51BA10A}">
-      <p15:sldGuideLst xmlns:p15="http://schemas.microsoft.com/office/powerpoint/2012/main">
-        <p15:guide id="1" orient="horz" pos="1598">
-          <p15:clr>
-            <a:srgbClr val="A4A3A4"/>
-          </p15:clr>
-        </p15:guide>
-        <p15:guide id="2" pos="2834">
-          <p15:clr>
-            <a:srgbClr val="A4A3A4"/>
-          </p15:clr>
-        </p15:guide>
-      </p15:sldGuideLst>
-    </p:ext>
-  </p:extLst>
 </p:presentation>
 </file>
 
@@ -219,7 +204,6 @@
           <a:p>
             <a:fld id="{97B991AC-5640-1041-B2E7-298AB3A4F4F2}" type="datetimeFigureOut">
               <a:rPr kumimoji="1" lang="zh-CN" altLang="en-US" smtClean="0"/>
-              <a:t>2017/7/23</a:t>
             </a:fld>
             <a:endParaRPr kumimoji="1" lang="zh-CN" altLang="en-US"/>
           </a:p>
@@ -286,6 +270,7 @@
               <a:rPr kumimoji="1" lang="zh-CN" altLang="en-US" smtClean="0"/>
               <a:t>单击此处编辑母版文本样式</a:t>
             </a:r>
+            <a:endParaRPr kumimoji="1" lang="zh-CN" altLang="en-US" smtClean="0"/>
           </a:p>
           <a:p>
             <a:pPr lvl="1"/>
@@ -293,6 +278,7 @@
               <a:rPr kumimoji="1" lang="zh-CN" altLang="en-US" smtClean="0"/>
               <a:t>二级</a:t>
             </a:r>
+            <a:endParaRPr kumimoji="1" lang="zh-CN" altLang="en-US" smtClean="0"/>
           </a:p>
           <a:p>
             <a:pPr lvl="2"/>
@@ -300,6 +286,7 @@
               <a:rPr kumimoji="1" lang="zh-CN" altLang="en-US" smtClean="0"/>
               <a:t>三级</a:t>
             </a:r>
+            <a:endParaRPr kumimoji="1" lang="zh-CN" altLang="en-US" smtClean="0"/>
           </a:p>
           <a:p>
             <a:pPr lvl="3"/>
@@ -307,6 +294,7 @@
               <a:rPr kumimoji="1" lang="zh-CN" altLang="en-US" smtClean="0"/>
               <a:t>四级</a:t>
             </a:r>
+            <a:endParaRPr kumimoji="1" lang="zh-CN" altLang="en-US" smtClean="0"/>
           </a:p>
           <a:p>
             <a:pPr lvl="4"/>
@@ -378,7 +366,6 @@
           <a:p>
             <a:fld id="{A0F4CD0E-B481-7B4C-9353-8F841747218C}" type="slidenum">
               <a:rPr kumimoji="1" lang="zh-CN" altLang="en-US" smtClean="0"/>
-              <a:t>‹#›</a:t>
             </a:fld>
             <a:endParaRPr kumimoji="1" lang="zh-CN" altLang="en-US"/>
           </a:p>
@@ -483,11 +470,11 @@
 </file>
 
 <file path=ppt/notesSlides/notesSlide1.xml><?xml version="1.0" encoding="utf-8"?>
-<p:notes xmlns:a="http://schemas.openxmlformats.org/drawingml/2006/main" xmlns:r="http://schemas.openxmlformats.org/officeDocument/2006/relationships" xmlns:p="http://schemas.openxmlformats.org/presentationml/2006/main" showMasterSp="0" showMasterPhAnim="0">
+<p:notes xmlns:a="http://schemas.openxmlformats.org/drawingml/2006/main" xmlns:r="http://schemas.openxmlformats.org/officeDocument/2006/relationships" xmlns:p="http://schemas.openxmlformats.org/presentationml/2006/main" showMasterPhAnim="0" showMasterSp="0">
   <p:cSld>
     <p:spTree>
       <p:nvGrpSpPr>
-        <p:cNvPr id="1" name="Shape 153"/>
+        <p:cNvPr id="153" name="Shape 153"/>
         <p:cNvGrpSpPr/>
         <p:nvPr/>
       </p:nvGrpSpPr>
@@ -502,9 +489,7 @@
       <p:sp>
         <p:nvSpPr>
           <p:cNvPr id="154" name="Shape 154"/>
-          <p:cNvSpPr>
-            <a:spLocks noGrp="1" noRot="1" noChangeAspect="1"/>
-          </p:cNvSpPr>
+          <p:cNvSpPr/>
           <p:nvPr>
             <p:ph type="sldImg" idx="2"/>
           </p:nvPr>
@@ -519,7 +504,6 @@
             <a:gdLst/>
             <a:ahLst/>
             <a:cxnLst/>
-            <a:rect l="0" t="0" r="0" b="0"/>
             <a:pathLst>
               <a:path w="120000" h="120000" extrusionOk="0">
                 <a:moveTo>
@@ -543,9 +527,7 @@
       <p:sp>
         <p:nvSpPr>
           <p:cNvPr id="155" name="Shape 155"/>
-          <p:cNvSpPr txBox="1">
-            <a:spLocks noGrp="1"/>
-          </p:cNvSpPr>
+          <p:cNvSpPr txBox="1"/>
           <p:nvPr>
             <p:ph type="body" idx="1"/>
           </p:nvPr>
@@ -571,7 +553,6 @@
               </a:spcBef>
               <a:buNone/>
             </a:pPr>
-            <a:endParaRPr/>
           </a:p>
         </p:txBody>
       </p:sp>
@@ -584,11 +565,11 @@
 </file>
 
 <file path=ppt/notesSlides/notesSlide2.xml><?xml version="1.0" encoding="utf-8"?>
-<p:notes xmlns:a="http://schemas.openxmlformats.org/drawingml/2006/main" xmlns:r="http://schemas.openxmlformats.org/officeDocument/2006/relationships" xmlns:p="http://schemas.openxmlformats.org/presentationml/2006/main" showMasterSp="0" showMasterPhAnim="0">
+<p:notes xmlns:a="http://schemas.openxmlformats.org/drawingml/2006/main" xmlns:r="http://schemas.openxmlformats.org/officeDocument/2006/relationships" xmlns:p="http://schemas.openxmlformats.org/presentationml/2006/main" showMasterPhAnim="0" showMasterSp="0">
   <p:cSld>
     <p:spTree>
       <p:nvGrpSpPr>
-        <p:cNvPr id="1" name="Shape 169"/>
+        <p:cNvPr id="169" name="Shape 169"/>
         <p:cNvGrpSpPr/>
         <p:nvPr/>
       </p:nvGrpSpPr>
@@ -603,9 +584,7 @@
       <p:sp>
         <p:nvSpPr>
           <p:cNvPr id="170" name="Shape 170"/>
-          <p:cNvSpPr>
-            <a:spLocks noGrp="1" noRot="1" noChangeAspect="1"/>
-          </p:cNvSpPr>
+          <p:cNvSpPr/>
           <p:nvPr>
             <p:ph type="sldImg" idx="2"/>
           </p:nvPr>
@@ -620,7 +599,6 @@
             <a:gdLst/>
             <a:ahLst/>
             <a:cxnLst/>
-            <a:rect l="0" t="0" r="0" b="0"/>
             <a:pathLst>
               <a:path w="120000" h="120000" extrusionOk="0">
                 <a:moveTo>
@@ -644,9 +622,7 @@
       <p:sp>
         <p:nvSpPr>
           <p:cNvPr id="171" name="Shape 171"/>
-          <p:cNvSpPr txBox="1">
-            <a:spLocks noGrp="1"/>
-          </p:cNvSpPr>
+          <p:cNvSpPr txBox="1"/>
           <p:nvPr>
             <p:ph type="body" idx="1"/>
           </p:nvPr>
@@ -672,7 +648,6 @@
               </a:spcBef>
               <a:buNone/>
             </a:pPr>
-            <a:endParaRPr/>
           </a:p>
         </p:txBody>
       </p:sp>
@@ -865,7 +840,6 @@
           <a:p>
             <a:fld id="{2C94FC9E-52D1-A940-966D-CA98E2FEBABE}" type="datetimeFigureOut">
               <a:rPr kumimoji="1" lang="zh-CN" altLang="en-US" smtClean="0"/>
-              <a:t>2017/7/23</a:t>
             </a:fld>
             <a:endParaRPr kumimoji="1" lang="zh-CN" altLang="en-US"/>
           </a:p>
@@ -907,7 +881,6 @@
           <a:p>
             <a:fld id="{62C04E4F-7143-6640-976D-8EC3F51D61C2}" type="slidenum">
               <a:rPr kumimoji="1" lang="zh-CN" altLang="en-US" smtClean="0"/>
-              <a:t>‹#›</a:t>
             </a:fld>
             <a:endParaRPr kumimoji="1" lang="zh-CN" altLang="en-US"/>
           </a:p>
@@ -981,6 +954,7 @@
               <a:rPr kumimoji="1" lang="zh-CN" altLang="x-none" smtClean="0"/>
               <a:t>单击此处编辑母版文本样式</a:t>
             </a:r>
+            <a:endParaRPr kumimoji="1" lang="zh-CN" altLang="x-none" smtClean="0"/>
           </a:p>
           <a:p>
             <a:pPr lvl="1"/>
@@ -988,6 +962,7 @@
               <a:rPr kumimoji="1" lang="zh-CN" altLang="x-none" smtClean="0"/>
               <a:t>二级</a:t>
             </a:r>
+            <a:endParaRPr kumimoji="1" lang="zh-CN" altLang="x-none" smtClean="0"/>
           </a:p>
           <a:p>
             <a:pPr lvl="2"/>
@@ -995,6 +970,7 @@
               <a:rPr kumimoji="1" lang="zh-CN" altLang="x-none" smtClean="0"/>
               <a:t>三级</a:t>
             </a:r>
+            <a:endParaRPr kumimoji="1" lang="zh-CN" altLang="x-none" smtClean="0"/>
           </a:p>
           <a:p>
             <a:pPr lvl="3"/>
@@ -1002,6 +978,7 @@
               <a:rPr kumimoji="1" lang="zh-CN" altLang="x-none" smtClean="0"/>
               <a:t>四级</a:t>
             </a:r>
+            <a:endParaRPr kumimoji="1" lang="zh-CN" altLang="x-none" smtClean="0"/>
           </a:p>
           <a:p>
             <a:pPr lvl="4"/>
@@ -1030,7 +1007,6 @@
           <a:p>
             <a:fld id="{2C94FC9E-52D1-A940-966D-CA98E2FEBABE}" type="datetimeFigureOut">
               <a:rPr kumimoji="1" lang="zh-CN" altLang="en-US" smtClean="0"/>
-              <a:t>2017/7/23</a:t>
             </a:fld>
             <a:endParaRPr kumimoji="1" lang="zh-CN" altLang="en-US"/>
           </a:p>
@@ -1072,7 +1048,6 @@
           <a:p>
             <a:fld id="{62C04E4F-7143-6640-976D-8EC3F51D61C2}" type="slidenum">
               <a:rPr kumimoji="1" lang="zh-CN" altLang="en-US" smtClean="0"/>
-              <a:t>‹#›</a:t>
             </a:fld>
             <a:endParaRPr kumimoji="1" lang="zh-CN" altLang="en-US"/>
           </a:p>
@@ -1156,6 +1131,7 @@
               <a:rPr kumimoji="1" lang="zh-CN" altLang="x-none" smtClean="0"/>
               <a:t>单击此处编辑母版文本样式</a:t>
             </a:r>
+            <a:endParaRPr kumimoji="1" lang="zh-CN" altLang="x-none" smtClean="0"/>
           </a:p>
           <a:p>
             <a:pPr lvl="1"/>
@@ -1163,6 +1139,7 @@
               <a:rPr kumimoji="1" lang="zh-CN" altLang="x-none" smtClean="0"/>
               <a:t>二级</a:t>
             </a:r>
+            <a:endParaRPr kumimoji="1" lang="zh-CN" altLang="x-none" smtClean="0"/>
           </a:p>
           <a:p>
             <a:pPr lvl="2"/>
@@ -1170,6 +1147,7 @@
               <a:rPr kumimoji="1" lang="zh-CN" altLang="x-none" smtClean="0"/>
               <a:t>三级</a:t>
             </a:r>
+            <a:endParaRPr kumimoji="1" lang="zh-CN" altLang="x-none" smtClean="0"/>
           </a:p>
           <a:p>
             <a:pPr lvl="3"/>
@@ -1177,6 +1155,7 @@
               <a:rPr kumimoji="1" lang="zh-CN" altLang="x-none" smtClean="0"/>
               <a:t>四级</a:t>
             </a:r>
+            <a:endParaRPr kumimoji="1" lang="zh-CN" altLang="x-none" smtClean="0"/>
           </a:p>
           <a:p>
             <a:pPr lvl="4"/>
@@ -1205,7 +1184,6 @@
           <a:p>
             <a:fld id="{2C94FC9E-52D1-A940-966D-CA98E2FEBABE}" type="datetimeFigureOut">
               <a:rPr kumimoji="1" lang="zh-CN" altLang="en-US" smtClean="0"/>
-              <a:t>2017/7/23</a:t>
             </a:fld>
             <a:endParaRPr kumimoji="1" lang="zh-CN" altLang="en-US"/>
           </a:p>
@@ -1247,7 +1225,6 @@
           <a:p>
             <a:fld id="{62C04E4F-7143-6640-976D-8EC3F51D61C2}" type="slidenum">
               <a:rPr kumimoji="1" lang="zh-CN" altLang="en-US" smtClean="0"/>
-              <a:t>‹#›</a:t>
             </a:fld>
             <a:endParaRPr kumimoji="1" lang="zh-CN" altLang="en-US"/>
           </a:p>
@@ -1266,7 +1243,7 @@
   <p:cSld name="Title and body">
     <p:spTree>
       <p:nvGrpSpPr>
-        <p:cNvPr id="1" name="Shape 13"/>
+        <p:cNvPr id="13" name="Shape 13"/>
         <p:cNvGrpSpPr/>
         <p:nvPr/>
       </p:nvGrpSpPr>
@@ -1281,9 +1258,7 @@
       <p:sp>
         <p:nvSpPr>
           <p:cNvPr id="14" name="Shape 14"/>
-          <p:cNvSpPr txBox="1">
-            <a:spLocks noGrp="1"/>
-          </p:cNvSpPr>
+          <p:cNvSpPr txBox="1"/>
           <p:nvPr>
             <p:ph type="title"/>
           </p:nvPr>
@@ -1355,17 +1330,13 @@
               <a:defRPr/>
             </a:lvl9pPr>
           </a:lstStyle>
-          <a:p>
-            <a:endParaRPr/>
-          </a:p>
+          <a:p/>
         </p:txBody>
       </p:sp>
       <p:sp>
         <p:nvSpPr>
           <p:cNvPr id="15" name="Shape 15"/>
-          <p:cNvSpPr txBox="1">
-            <a:spLocks noGrp="1"/>
-          </p:cNvSpPr>
+          <p:cNvSpPr txBox="1"/>
           <p:nvPr>
             <p:ph type="body" idx="1"/>
           </p:nvPr>
@@ -1437,17 +1408,13 @@
               <a:defRPr/>
             </a:lvl9pPr>
           </a:lstStyle>
-          <a:p>
-            <a:endParaRPr/>
-          </a:p>
+          <a:p/>
         </p:txBody>
       </p:sp>
       <p:sp>
         <p:nvSpPr>
           <p:cNvPr id="16" name="Shape 16"/>
-          <p:cNvSpPr txBox="1">
-            <a:spLocks noGrp="1"/>
-          </p:cNvSpPr>
+          <p:cNvSpPr txBox="1"/>
           <p:nvPr>
             <p:ph type="sldNum" idx="12"/>
           </p:nvPr>
@@ -1475,7 +1442,6 @@
             </a:pPr>
             <a:fld id="{00000000-1234-1234-1234-123412341234}" type="slidenum">
               <a:rPr lang="en-GB"/>
-              <a:t>‹#›</a:t>
             </a:fld>
             <a:endParaRPr lang="en-GB"/>
           </a:p>
@@ -1575,6 +1541,7 @@
               <a:rPr kumimoji="1" lang="zh-CN" altLang="x-none" smtClean="0"/>
               <a:t>单击此处编辑母版文本样式</a:t>
             </a:r>
+            <a:endParaRPr kumimoji="1" lang="zh-CN" altLang="x-none" smtClean="0"/>
           </a:p>
           <a:p>
             <a:pPr lvl="1"/>
@@ -1582,6 +1549,7 @@
               <a:rPr kumimoji="1" lang="zh-CN" altLang="x-none" smtClean="0"/>
               <a:t>二级</a:t>
             </a:r>
+            <a:endParaRPr kumimoji="1" lang="zh-CN" altLang="x-none" smtClean="0"/>
           </a:p>
           <a:p>
             <a:pPr lvl="2"/>
@@ -1589,6 +1557,7 @@
               <a:rPr kumimoji="1" lang="zh-CN" altLang="x-none" smtClean="0"/>
               <a:t>三级</a:t>
             </a:r>
+            <a:endParaRPr kumimoji="1" lang="zh-CN" altLang="x-none" smtClean="0"/>
           </a:p>
           <a:p>
             <a:pPr lvl="3"/>
@@ -1596,6 +1565,7 @@
               <a:rPr kumimoji="1" lang="zh-CN" altLang="x-none" smtClean="0"/>
               <a:t>四级</a:t>
             </a:r>
+            <a:endParaRPr kumimoji="1" lang="zh-CN" altLang="x-none" smtClean="0"/>
           </a:p>
           <a:p>
             <a:pPr lvl="4"/>
@@ -1624,7 +1594,6 @@
           <a:p>
             <a:fld id="{2C94FC9E-52D1-A940-966D-CA98E2FEBABE}" type="datetimeFigureOut">
               <a:rPr kumimoji="1" lang="zh-CN" altLang="en-US" smtClean="0"/>
-              <a:t>2017/7/23</a:t>
             </a:fld>
             <a:endParaRPr kumimoji="1" lang="zh-CN" altLang="en-US"/>
           </a:p>
@@ -1666,7 +1635,6 @@
           <a:p>
             <a:fld id="{62C04E4F-7143-6640-976D-8EC3F51D61C2}" type="slidenum">
               <a:rPr kumimoji="1" lang="zh-CN" altLang="en-US" smtClean="0"/>
-              <a:t>‹#›</a:t>
             </a:fld>
             <a:endParaRPr kumimoji="1" lang="zh-CN" altLang="en-US"/>
           </a:p>
@@ -1845,6 +1813,7 @@
               <a:rPr kumimoji="1" lang="zh-CN" altLang="x-none" smtClean="0"/>
               <a:t>单击此处编辑母版文本样式</a:t>
             </a:r>
+            <a:endParaRPr kumimoji="1" lang="zh-CN" altLang="x-none" smtClean="0"/>
           </a:p>
         </p:txBody>
       </p:sp>
@@ -1865,7 +1834,6 @@
           <a:p>
             <a:fld id="{2C94FC9E-52D1-A940-966D-CA98E2FEBABE}" type="datetimeFigureOut">
               <a:rPr kumimoji="1" lang="zh-CN" altLang="en-US" smtClean="0"/>
-              <a:t>2017/7/23</a:t>
             </a:fld>
             <a:endParaRPr kumimoji="1" lang="zh-CN" altLang="en-US"/>
           </a:p>
@@ -1907,7 +1875,6 @@
           <a:p>
             <a:fld id="{62C04E4F-7143-6640-976D-8EC3F51D61C2}" type="slidenum">
               <a:rPr kumimoji="1" lang="zh-CN" altLang="en-US" smtClean="0"/>
-              <a:t>‹#›</a:t>
             </a:fld>
             <a:endParaRPr kumimoji="1" lang="zh-CN" altLang="en-US"/>
           </a:p>
@@ -2014,6 +1981,7 @@
               <a:rPr kumimoji="1" lang="zh-CN" altLang="x-none" smtClean="0"/>
               <a:t>单击此处编辑母版文本样式</a:t>
             </a:r>
+            <a:endParaRPr kumimoji="1" lang="zh-CN" altLang="x-none" smtClean="0"/>
           </a:p>
           <a:p>
             <a:pPr lvl="1"/>
@@ -2021,6 +1989,7 @@
               <a:rPr kumimoji="1" lang="zh-CN" altLang="x-none" smtClean="0"/>
               <a:t>二级</a:t>
             </a:r>
+            <a:endParaRPr kumimoji="1" lang="zh-CN" altLang="x-none" smtClean="0"/>
           </a:p>
           <a:p>
             <a:pPr lvl="2"/>
@@ -2028,6 +1997,7 @@
               <a:rPr kumimoji="1" lang="zh-CN" altLang="x-none" smtClean="0"/>
               <a:t>三级</a:t>
             </a:r>
+            <a:endParaRPr kumimoji="1" lang="zh-CN" altLang="x-none" smtClean="0"/>
           </a:p>
           <a:p>
             <a:pPr lvl="3"/>
@@ -2035,6 +2005,7 @@
               <a:rPr kumimoji="1" lang="zh-CN" altLang="x-none" smtClean="0"/>
               <a:t>四级</a:t>
             </a:r>
+            <a:endParaRPr kumimoji="1" lang="zh-CN" altLang="x-none" smtClean="0"/>
           </a:p>
           <a:p>
             <a:pPr lvl="4"/>
@@ -2099,6 +2070,7 @@
               <a:rPr kumimoji="1" lang="zh-CN" altLang="x-none" smtClean="0"/>
               <a:t>单击此处编辑母版文本样式</a:t>
             </a:r>
+            <a:endParaRPr kumimoji="1" lang="zh-CN" altLang="x-none" smtClean="0"/>
           </a:p>
           <a:p>
             <a:pPr lvl="1"/>
@@ -2106,6 +2078,7 @@
               <a:rPr kumimoji="1" lang="zh-CN" altLang="x-none" smtClean="0"/>
               <a:t>二级</a:t>
             </a:r>
+            <a:endParaRPr kumimoji="1" lang="zh-CN" altLang="x-none" smtClean="0"/>
           </a:p>
           <a:p>
             <a:pPr lvl="2"/>
@@ -2113,6 +2086,7 @@
               <a:rPr kumimoji="1" lang="zh-CN" altLang="x-none" smtClean="0"/>
               <a:t>三级</a:t>
             </a:r>
+            <a:endParaRPr kumimoji="1" lang="zh-CN" altLang="x-none" smtClean="0"/>
           </a:p>
           <a:p>
             <a:pPr lvl="3"/>
@@ -2120,6 +2094,7 @@
               <a:rPr kumimoji="1" lang="zh-CN" altLang="x-none" smtClean="0"/>
               <a:t>四级</a:t>
             </a:r>
+            <a:endParaRPr kumimoji="1" lang="zh-CN" altLang="x-none" smtClean="0"/>
           </a:p>
           <a:p>
             <a:pPr lvl="4"/>
@@ -2148,7 +2123,6 @@
           <a:p>
             <a:fld id="{2C94FC9E-52D1-A940-966D-CA98E2FEBABE}" type="datetimeFigureOut">
               <a:rPr kumimoji="1" lang="zh-CN" altLang="en-US" smtClean="0"/>
-              <a:t>2017/7/23</a:t>
             </a:fld>
             <a:endParaRPr kumimoji="1" lang="zh-CN" altLang="en-US"/>
           </a:p>
@@ -2190,7 +2164,6 @@
           <a:p>
             <a:fld id="{62C04E4F-7143-6640-976D-8EC3F51D61C2}" type="slidenum">
               <a:rPr kumimoji="1" lang="zh-CN" altLang="en-US" smtClean="0"/>
-              <a:t>‹#›</a:t>
             </a:fld>
             <a:endParaRPr kumimoji="1" lang="zh-CN" altLang="en-US"/>
           </a:p>
@@ -2310,6 +2283,7 @@
               <a:rPr kumimoji="1" lang="zh-CN" altLang="x-none" smtClean="0"/>
               <a:t>单击此处编辑母版文本样式</a:t>
             </a:r>
+            <a:endParaRPr kumimoji="1" lang="zh-CN" altLang="x-none" smtClean="0"/>
           </a:p>
         </p:txBody>
       </p:sp>
@@ -2366,6 +2340,7 @@
               <a:rPr kumimoji="1" lang="zh-CN" altLang="x-none" smtClean="0"/>
               <a:t>单击此处编辑母版文本样式</a:t>
             </a:r>
+            <a:endParaRPr kumimoji="1" lang="zh-CN" altLang="x-none" smtClean="0"/>
           </a:p>
           <a:p>
             <a:pPr lvl="1"/>
@@ -2373,6 +2348,7 @@
               <a:rPr kumimoji="1" lang="zh-CN" altLang="x-none" smtClean="0"/>
               <a:t>二级</a:t>
             </a:r>
+            <a:endParaRPr kumimoji="1" lang="zh-CN" altLang="x-none" smtClean="0"/>
           </a:p>
           <a:p>
             <a:pPr lvl="2"/>
@@ -2380,6 +2356,7 @@
               <a:rPr kumimoji="1" lang="zh-CN" altLang="x-none" smtClean="0"/>
               <a:t>三级</a:t>
             </a:r>
+            <a:endParaRPr kumimoji="1" lang="zh-CN" altLang="x-none" smtClean="0"/>
           </a:p>
           <a:p>
             <a:pPr lvl="3"/>
@@ -2387,6 +2364,7 @@
               <a:rPr kumimoji="1" lang="zh-CN" altLang="x-none" smtClean="0"/>
               <a:t>四级</a:t>
             </a:r>
+            <a:endParaRPr kumimoji="1" lang="zh-CN" altLang="x-none" smtClean="0"/>
           </a:p>
           <a:p>
             <a:pPr lvl="4"/>
@@ -2460,6 +2438,7 @@
               <a:rPr kumimoji="1" lang="zh-CN" altLang="x-none" smtClean="0"/>
               <a:t>单击此处编辑母版文本样式</a:t>
             </a:r>
+            <a:endParaRPr kumimoji="1" lang="zh-CN" altLang="x-none" smtClean="0"/>
           </a:p>
         </p:txBody>
       </p:sp>
@@ -2516,6 +2495,7 @@
               <a:rPr kumimoji="1" lang="zh-CN" altLang="x-none" smtClean="0"/>
               <a:t>单击此处编辑母版文本样式</a:t>
             </a:r>
+            <a:endParaRPr kumimoji="1" lang="zh-CN" altLang="x-none" smtClean="0"/>
           </a:p>
           <a:p>
             <a:pPr lvl="1"/>
@@ -2523,6 +2503,7 @@
               <a:rPr kumimoji="1" lang="zh-CN" altLang="x-none" smtClean="0"/>
               <a:t>二级</a:t>
             </a:r>
+            <a:endParaRPr kumimoji="1" lang="zh-CN" altLang="x-none" smtClean="0"/>
           </a:p>
           <a:p>
             <a:pPr lvl="2"/>
@@ -2530,6 +2511,7 @@
               <a:rPr kumimoji="1" lang="zh-CN" altLang="x-none" smtClean="0"/>
               <a:t>三级</a:t>
             </a:r>
+            <a:endParaRPr kumimoji="1" lang="zh-CN" altLang="x-none" smtClean="0"/>
           </a:p>
           <a:p>
             <a:pPr lvl="3"/>
@@ -2537,6 +2519,7 @@
               <a:rPr kumimoji="1" lang="zh-CN" altLang="x-none" smtClean="0"/>
               <a:t>四级</a:t>
             </a:r>
+            <a:endParaRPr kumimoji="1" lang="zh-CN" altLang="x-none" smtClean="0"/>
           </a:p>
           <a:p>
             <a:pPr lvl="4"/>
@@ -2565,7 +2548,6 @@
           <a:p>
             <a:fld id="{2C94FC9E-52D1-A940-966D-CA98E2FEBABE}" type="datetimeFigureOut">
               <a:rPr kumimoji="1" lang="zh-CN" altLang="en-US" smtClean="0"/>
-              <a:t>2017/7/23</a:t>
             </a:fld>
             <a:endParaRPr kumimoji="1" lang="zh-CN" altLang="en-US"/>
           </a:p>
@@ -2607,7 +2589,6 @@
           <a:p>
             <a:fld id="{62C04E4F-7143-6640-976D-8EC3F51D61C2}" type="slidenum">
               <a:rPr kumimoji="1" lang="zh-CN" altLang="en-US" smtClean="0"/>
-              <a:t>‹#›</a:t>
             </a:fld>
             <a:endParaRPr kumimoji="1" lang="zh-CN" altLang="en-US"/>
           </a:p>
@@ -2678,7 +2659,6 @@
           <a:p>
             <a:fld id="{2C94FC9E-52D1-A940-966D-CA98E2FEBABE}" type="datetimeFigureOut">
               <a:rPr kumimoji="1" lang="zh-CN" altLang="en-US" smtClean="0"/>
-              <a:t>2017/7/23</a:t>
             </a:fld>
             <a:endParaRPr kumimoji="1" lang="zh-CN" altLang="en-US"/>
           </a:p>
@@ -2720,7 +2700,6 @@
           <a:p>
             <a:fld id="{62C04E4F-7143-6640-976D-8EC3F51D61C2}" type="slidenum">
               <a:rPr kumimoji="1" lang="zh-CN" altLang="en-US" smtClean="0"/>
-              <a:t>‹#›</a:t>
             </a:fld>
             <a:endParaRPr kumimoji="1" lang="zh-CN" altLang="en-US"/>
           </a:p>
@@ -2768,7 +2747,6 @@
           <a:p>
             <a:fld id="{2C94FC9E-52D1-A940-966D-CA98E2FEBABE}" type="datetimeFigureOut">
               <a:rPr kumimoji="1" lang="zh-CN" altLang="en-US" smtClean="0"/>
-              <a:t>2017/7/23</a:t>
             </a:fld>
             <a:endParaRPr kumimoji="1" lang="zh-CN" altLang="en-US"/>
           </a:p>
@@ -2810,7 +2788,6 @@
           <a:p>
             <a:fld id="{62C04E4F-7143-6640-976D-8EC3F51D61C2}" type="slidenum">
               <a:rPr kumimoji="1" lang="zh-CN" altLang="en-US" smtClean="0"/>
-              <a:t>‹#›</a:t>
             </a:fld>
             <a:endParaRPr kumimoji="1" lang="zh-CN" altLang="en-US"/>
           </a:p>
@@ -2926,6 +2903,7 @@
               <a:rPr kumimoji="1" lang="zh-CN" altLang="x-none" smtClean="0"/>
               <a:t>单击此处编辑母版文本样式</a:t>
             </a:r>
+            <a:endParaRPr kumimoji="1" lang="zh-CN" altLang="x-none" smtClean="0"/>
           </a:p>
           <a:p>
             <a:pPr lvl="1"/>
@@ -2933,6 +2911,7 @@
               <a:rPr kumimoji="1" lang="zh-CN" altLang="x-none" smtClean="0"/>
               <a:t>二级</a:t>
             </a:r>
+            <a:endParaRPr kumimoji="1" lang="zh-CN" altLang="x-none" smtClean="0"/>
           </a:p>
           <a:p>
             <a:pPr lvl="2"/>
@@ -2940,6 +2919,7 @@
               <a:rPr kumimoji="1" lang="zh-CN" altLang="x-none" smtClean="0"/>
               <a:t>三级</a:t>
             </a:r>
+            <a:endParaRPr kumimoji="1" lang="zh-CN" altLang="x-none" smtClean="0"/>
           </a:p>
           <a:p>
             <a:pPr lvl="3"/>
@@ -2947,6 +2927,7 @@
               <a:rPr kumimoji="1" lang="zh-CN" altLang="x-none" smtClean="0"/>
               <a:t>四级</a:t>
             </a:r>
+            <a:endParaRPr kumimoji="1" lang="zh-CN" altLang="x-none" smtClean="0"/>
           </a:p>
           <a:p>
             <a:pPr lvl="4"/>
@@ -3020,6 +3001,7 @@
               <a:rPr kumimoji="1" lang="zh-CN" altLang="x-none" smtClean="0"/>
               <a:t>单击此处编辑母版文本样式</a:t>
             </a:r>
+            <a:endParaRPr kumimoji="1" lang="zh-CN" altLang="x-none" smtClean="0"/>
           </a:p>
         </p:txBody>
       </p:sp>
@@ -3040,7 +3022,6 @@
           <a:p>
             <a:fld id="{2C94FC9E-52D1-A940-966D-CA98E2FEBABE}" type="datetimeFigureOut">
               <a:rPr kumimoji="1" lang="zh-CN" altLang="en-US" smtClean="0"/>
-              <a:t>2017/7/23</a:t>
             </a:fld>
             <a:endParaRPr kumimoji="1" lang="zh-CN" altLang="en-US"/>
           </a:p>
@@ -3082,7 +3063,6 @@
           <a:p>
             <a:fld id="{62C04E4F-7143-6640-976D-8EC3F51D61C2}" type="slidenum">
               <a:rPr kumimoji="1" lang="zh-CN" altLang="en-US" smtClean="0"/>
-              <a:t>‹#›</a:t>
             </a:fld>
             <a:endParaRPr kumimoji="1" lang="zh-CN" altLang="en-US"/>
           </a:p>
@@ -3268,6 +3248,7 @@
               <a:rPr kumimoji="1" lang="zh-CN" altLang="x-none" smtClean="0"/>
               <a:t>单击此处编辑母版文本样式</a:t>
             </a:r>
+            <a:endParaRPr kumimoji="1" lang="zh-CN" altLang="x-none" smtClean="0"/>
           </a:p>
         </p:txBody>
       </p:sp>
@@ -3288,7 +3269,6 @@
           <a:p>
             <a:fld id="{2C94FC9E-52D1-A940-966D-CA98E2FEBABE}" type="datetimeFigureOut">
               <a:rPr kumimoji="1" lang="zh-CN" altLang="en-US" smtClean="0"/>
-              <a:t>2017/7/23</a:t>
             </a:fld>
             <a:endParaRPr kumimoji="1" lang="zh-CN" altLang="en-US"/>
           </a:p>
@@ -3330,7 +3310,6 @@
           <a:p>
             <a:fld id="{62C04E4F-7143-6640-976D-8EC3F51D61C2}" type="slidenum">
               <a:rPr kumimoji="1" lang="zh-CN" altLang="en-US" smtClean="0"/>
-              <a:t>‹#›</a:t>
             </a:fld>
             <a:endParaRPr kumimoji="1" lang="zh-CN" altLang="en-US"/>
           </a:p>
@@ -3429,6 +3408,7 @@
               <a:rPr kumimoji="1" lang="zh-CN" altLang="x-none" smtClean="0"/>
               <a:t>单击此处编辑母版文本样式</a:t>
             </a:r>
+            <a:endParaRPr kumimoji="1" lang="zh-CN" altLang="x-none" smtClean="0"/>
           </a:p>
           <a:p>
             <a:pPr lvl="1"/>
@@ -3436,6 +3416,7 @@
               <a:rPr kumimoji="1" lang="zh-CN" altLang="x-none" smtClean="0"/>
               <a:t>二级</a:t>
             </a:r>
+            <a:endParaRPr kumimoji="1" lang="zh-CN" altLang="x-none" smtClean="0"/>
           </a:p>
           <a:p>
             <a:pPr lvl="2"/>
@@ -3443,6 +3424,7 @@
               <a:rPr kumimoji="1" lang="zh-CN" altLang="x-none" smtClean="0"/>
               <a:t>三级</a:t>
             </a:r>
+            <a:endParaRPr kumimoji="1" lang="zh-CN" altLang="x-none" smtClean="0"/>
           </a:p>
           <a:p>
             <a:pPr lvl="3"/>
@@ -3450,6 +3432,7 @@
               <a:rPr kumimoji="1" lang="zh-CN" altLang="x-none" smtClean="0"/>
               <a:t>四级</a:t>
             </a:r>
+            <a:endParaRPr kumimoji="1" lang="zh-CN" altLang="x-none" smtClean="0"/>
           </a:p>
           <a:p>
             <a:pPr lvl="4"/>
@@ -3496,7 +3479,6 @@
           <a:p>
             <a:fld id="{2C94FC9E-52D1-A940-966D-CA98E2FEBABE}" type="datetimeFigureOut">
               <a:rPr kumimoji="1" lang="zh-CN" altLang="en-US" smtClean="0"/>
-              <a:t>2017/7/23</a:t>
             </a:fld>
             <a:endParaRPr kumimoji="1" lang="zh-CN" altLang="en-US"/>
           </a:p>
@@ -3574,7 +3556,6 @@
           <a:p>
             <a:fld id="{62C04E4F-7143-6640-976D-8EC3F51D61C2}" type="slidenum">
               <a:rPr kumimoji="1" lang="zh-CN" altLang="en-US" smtClean="0"/>
-              <a:t>‹#›</a:t>
             </a:fld>
             <a:endParaRPr kumimoji="1" lang="zh-CN" altLang="en-US"/>
           </a:p>
@@ -3914,7 +3895,7 @@
           <p:nvPr/>
         </p:nvPicPr>
         <p:blipFill>
-          <a:blip r:embed="rId2" cstate="email"/>
+          <a:blip r:embed="rId1" cstate="email"/>
           <a:srcRect/>
           <a:stretch>
             <a:fillRect/>
@@ -4106,7 +4087,7 @@
           <p:nvPr/>
         </p:nvPicPr>
         <p:blipFill>
-          <a:blip r:embed="rId2"/>
+          <a:blip r:embed="rId1"/>
           <a:stretch>
             <a:fillRect/>
           </a:stretch>
@@ -4155,7 +4136,7 @@
           <p:nvPr/>
         </p:nvPicPr>
         <p:blipFill>
-          <a:blip r:embed="rId2"/>
+          <a:blip r:embed="rId1"/>
           <a:stretch>
             <a:fillRect/>
           </a:stretch>
@@ -4272,7 +4253,7 @@
         </p:nvSpPr>
         <p:spPr>
           <a:xfrm>
-            <a:off x="540001" y="234000"/>
+            <a:off x="533016" y="209235"/>
             <a:ext cx="7248525" cy="514350"/>
           </a:xfrm>
           <a:prstGeom prst="rect">
@@ -4332,7 +4313,7 @@
                 <a:ea typeface="微软雅黑" panose="020B0503020204020204" charset="-122"/>
                 <a:cs typeface="微软雅黑" panose="020B0503020204020204" charset="-122"/>
               </a:rPr>
-              <a:t>安装的三种方式</a:t>
+              <a:t>安装方式</a:t>
             </a:r>
             <a:endParaRPr lang="zh-CN" altLang="en-US" sz="2800" dirty="0">
               <a:solidFill>
@@ -4554,15 +4535,7 @@
                   <a:srgbClr val="000000"/>
                 </a:solidFill>
               </a:rPr>
-              <a:t>：独立</a:t>
-            </a:r>
-            <a:r>
-              <a:rPr lang="zh-CN" altLang="en-US" sz="1800" dirty="0" smtClean="0">
-                <a:solidFill>
-                  <a:srgbClr val="000000"/>
-                </a:solidFill>
-              </a:rPr>
-              <a:t>版本</a:t>
+              <a:t>：独立版本</a:t>
             </a:r>
             <a:endParaRPr lang="en-US" altLang="zh-CN" sz="1800" dirty="0" smtClean="0">
               <a:solidFill>
@@ -4639,6 +4612,11 @@
               </a:rPr>
               <a:t>了。</a:t>
             </a:r>
+            <a:endParaRPr lang="zh-CN" altLang="en-US" sz="1400" dirty="0">
+              <a:solidFill>
+                <a:schemeClr val="tx1"/>
+              </a:solidFill>
+            </a:endParaRPr>
           </a:p>
           <a:p>
             <a:pPr marL="342900" indent="-342900" algn="l">
@@ -4825,7 +4803,7 @@
               <a:t>3</a:t>
             </a:r>
             <a:r>
-              <a:rPr lang="zh-CN" altLang="en-US" sz="1800" smtClean="0">
+              <a:rPr lang="zh-CN" altLang="en-US" sz="1800" dirty="0" smtClean="0">
                 <a:solidFill>
                   <a:srgbClr val="000000"/>
                 </a:solidFill>
@@ -4833,7 +4811,7 @@
               <a:t>：</a:t>
             </a:r>
             <a:r>
-              <a:rPr lang="en-US" altLang="zh-CN" sz="1800" smtClean="0">
+              <a:rPr lang="en-US" altLang="zh-CN" sz="1800" dirty="0" smtClean="0">
                 <a:solidFill>
                   <a:srgbClr val="000000"/>
                 </a:solidFill>
@@ -5019,6 +4997,11 @@
               </a:rPr>
               <a:t>也提供配套工具来开发单文件组件。</a:t>
             </a:r>
+            <a:endParaRPr lang="zh-CN" altLang="en-US" sz="1400" dirty="0">
+              <a:solidFill>
+                <a:srgbClr val="000000"/>
+              </a:solidFill>
+            </a:endParaRPr>
           </a:p>
           <a:p>
             <a:pPr lvl="1" algn="l">
@@ -5284,6 +5267,11 @@
               </a:rPr>
               <a:t>:</a:t>
             </a:r>
+            <a:endParaRPr lang="en-US" altLang="zh-CN" dirty="0" smtClean="0">
+              <a:solidFill>
+                <a:srgbClr val="000000"/>
+              </a:solidFill>
+            </a:endParaRPr>
           </a:p>
           <a:p>
             <a:r>
@@ -5334,6 +5322,602 @@
           </a:p>
         </p:txBody>
       </p:sp>
+    </p:spTree>
+  </p:cSld>
+  <p:clrMapOvr>
+    <a:masterClrMapping/>
+  </p:clrMapOvr>
+</p:sld>
+</file>
+
+<file path=ppt/slides/slide13.xml><?xml version="1.0" encoding="utf-8"?>
+<p:sld xmlns:a="http://schemas.openxmlformats.org/drawingml/2006/main" xmlns:r="http://schemas.openxmlformats.org/officeDocument/2006/relationships" xmlns:p="http://schemas.openxmlformats.org/presentationml/2006/main">
+  <p:cSld>
+    <p:spTree>
+      <p:nvGrpSpPr>
+        <p:cNvPr id="1" name=""/>
+        <p:cNvGrpSpPr/>
+        <p:nvPr/>
+      </p:nvGrpSpPr>
+      <p:grpSpPr>
+        <a:xfrm>
+          <a:off x="0" y="0"/>
+          <a:ext cx="0" cy="0"/>
+          <a:chOff x="0" y="0"/>
+          <a:chExt cx="0" cy="0"/>
+        </a:xfrm>
+      </p:grpSpPr>
+      <p:sp>
+        <p:nvSpPr>
+          <p:cNvPr id="4" name="Rectangle 2"/>
+          <p:cNvSpPr txBox="1">
+            <a:spLocks noChangeArrowheads="1"/>
+          </p:cNvSpPr>
+          <p:nvPr/>
+        </p:nvSpPr>
+        <p:spPr>
+          <a:xfrm>
+            <a:off x="540001" y="234000"/>
+            <a:ext cx="7248525" cy="514350"/>
+          </a:xfrm>
+          <a:prstGeom prst="rect">
+            <a:avLst/>
+          </a:prstGeom>
+        </p:spPr>
+        <p:txBody>
+          <a:bodyPr vert="horz" lIns="91440" tIns="45720" rIns="91440" bIns="45720" rtlCol="0" anchor="ctr">
+            <a:noAutofit/>
+          </a:bodyPr>
+          <a:lstStyle>
+            <a:lvl1pPr algn="ctr" defTabSz="457200" rtl="0" eaLnBrk="1" latinLnBrk="0" hangingPunct="1">
+              <a:spcBef>
+                <a:spcPct val="0"/>
+              </a:spcBef>
+              <a:buNone/>
+              <a:defRPr sz="4400" kern="1200">
+                <a:solidFill>
+                  <a:schemeClr val="tx1"/>
+                </a:solidFill>
+                <a:latin typeface="+mj-lt"/>
+                <a:ea typeface="+mj-ea"/>
+                <a:cs typeface="+mj-cs"/>
+              </a:defRPr>
+            </a:lvl1pPr>
+          </a:lstStyle>
+          <a:p>
+            <a:pPr algn="l"/>
+            <a:r>
+              <a:rPr lang="en-US" altLang="zh-CN" sz="2800" dirty="0">
+                <a:solidFill>
+                  <a:schemeClr val="tx2"/>
+                </a:solidFill>
+                <a:latin typeface="微软雅黑" panose="020B0503020204020204" charset="-122"/>
+                <a:ea typeface="微软雅黑" panose="020B0503020204020204" charset="-122"/>
+                <a:cs typeface="微软雅黑" panose="020B0503020204020204" charset="-122"/>
+              </a:rPr>
+              <a:t>6</a:t>
+            </a:r>
+            <a:r>
+              <a:rPr lang="en-US" altLang="zh-CN" sz="2800" dirty="0" smtClean="0">
+                <a:solidFill>
+                  <a:schemeClr val="tx2"/>
+                </a:solidFill>
+                <a:latin typeface="微软雅黑" panose="020B0503020204020204" charset="-122"/>
+                <a:ea typeface="微软雅黑" panose="020B0503020204020204" charset="-122"/>
+                <a:cs typeface="微软雅黑" panose="020B0503020204020204" charset="-122"/>
+              </a:rPr>
+              <a:t>.   </a:t>
+            </a:r>
+            <a:r>
+              <a:rPr lang="zh-CN" altLang="en-US" sz="2800" dirty="0" smtClean="0">
+                <a:solidFill>
+                  <a:schemeClr val="tx2"/>
+                </a:solidFill>
+                <a:latin typeface="微软雅黑" panose="020B0503020204020204" charset="-122"/>
+                <a:ea typeface="微软雅黑" panose="020B0503020204020204" charset="-122"/>
+                <a:cs typeface="微软雅黑" panose="020B0503020204020204" charset="-122"/>
+              </a:rPr>
+              <a:t>安装比较</a:t>
+            </a:r>
+            <a:endParaRPr lang="zh-CN" altLang="en-US" sz="2800" dirty="0">
+              <a:solidFill>
+                <a:schemeClr val="tx2"/>
+              </a:solidFill>
+              <a:latin typeface="微软雅黑" panose="020B0503020204020204" charset="-122"/>
+              <a:ea typeface="微软雅黑" panose="020B0503020204020204" charset="-122"/>
+              <a:cs typeface="微软雅黑" panose="020B0503020204020204" charset="-122"/>
+            </a:endParaRPr>
+          </a:p>
+        </p:txBody>
+      </p:sp>
+      <p:sp>
+        <p:nvSpPr>
+          <p:cNvPr id="6" name="Rectangle 3"/>
+          <p:cNvSpPr txBox="1">
+            <a:spLocks noChangeArrowheads="1"/>
+          </p:cNvSpPr>
+          <p:nvPr/>
+        </p:nvSpPr>
+        <p:spPr>
+          <a:xfrm>
+            <a:off x="624205" y="723900"/>
+            <a:ext cx="7881620" cy="3761740"/>
+          </a:xfrm>
+          <a:prstGeom prst="rect">
+            <a:avLst/>
+          </a:prstGeom>
+        </p:spPr>
+        <p:txBody>
+          <a:bodyPr vert="horz" lIns="91440" tIns="45720" rIns="91440" bIns="45720" rtlCol="0">
+            <a:normAutofit/>
+          </a:bodyPr>
+          <a:lstStyle>
+            <a:lvl1pPr marL="0" indent="0" algn="ctr" defTabSz="457200" rtl="0" eaLnBrk="1" latinLnBrk="0" hangingPunct="1">
+              <a:spcBef>
+                <a:spcPct val="20000"/>
+              </a:spcBef>
+              <a:buFont typeface="Arial" panose="020B0604020202020204"/>
+              <a:buNone/>
+              <a:defRPr sz="3200" kern="1200">
+                <a:solidFill>
+                  <a:schemeClr val="tx1">
+                    <a:tint val="75000"/>
+                  </a:schemeClr>
+                </a:solidFill>
+                <a:latin typeface="+mn-lt"/>
+                <a:ea typeface="+mn-ea"/>
+                <a:cs typeface="+mn-cs"/>
+              </a:defRPr>
+            </a:lvl1pPr>
+            <a:lvl2pPr marL="457200" indent="0" algn="ctr" defTabSz="457200" rtl="0" eaLnBrk="1" latinLnBrk="0" hangingPunct="1">
+              <a:spcBef>
+                <a:spcPct val="20000"/>
+              </a:spcBef>
+              <a:buFont typeface="Arial" panose="020B0604020202020204"/>
+              <a:buNone/>
+              <a:defRPr sz="2800" kern="1200">
+                <a:solidFill>
+                  <a:schemeClr val="tx1">
+                    <a:tint val="75000"/>
+                  </a:schemeClr>
+                </a:solidFill>
+                <a:latin typeface="+mn-lt"/>
+                <a:ea typeface="+mn-ea"/>
+                <a:cs typeface="+mn-cs"/>
+              </a:defRPr>
+            </a:lvl2pPr>
+            <a:lvl3pPr marL="914400" indent="0" algn="ctr" defTabSz="457200" rtl="0" eaLnBrk="1" latinLnBrk="0" hangingPunct="1">
+              <a:spcBef>
+                <a:spcPct val="20000"/>
+              </a:spcBef>
+              <a:buFont typeface="Arial" panose="020B0604020202020204"/>
+              <a:buNone/>
+              <a:defRPr sz="2400" kern="1200">
+                <a:solidFill>
+                  <a:schemeClr val="tx1">
+                    <a:tint val="75000"/>
+                  </a:schemeClr>
+                </a:solidFill>
+                <a:latin typeface="+mn-lt"/>
+                <a:ea typeface="+mn-ea"/>
+                <a:cs typeface="+mn-cs"/>
+              </a:defRPr>
+            </a:lvl3pPr>
+            <a:lvl4pPr marL="1371600" indent="0" algn="ctr" defTabSz="457200" rtl="0" eaLnBrk="1" latinLnBrk="0" hangingPunct="1">
+              <a:spcBef>
+                <a:spcPct val="20000"/>
+              </a:spcBef>
+              <a:buFont typeface="Arial" panose="020B0604020202020204"/>
+              <a:buNone/>
+              <a:defRPr sz="2000" kern="1200">
+                <a:solidFill>
+                  <a:schemeClr val="tx1">
+                    <a:tint val="75000"/>
+                  </a:schemeClr>
+                </a:solidFill>
+                <a:latin typeface="+mn-lt"/>
+                <a:ea typeface="+mn-ea"/>
+                <a:cs typeface="+mn-cs"/>
+              </a:defRPr>
+            </a:lvl4pPr>
+            <a:lvl5pPr marL="1828800" indent="0" algn="ctr" defTabSz="457200" rtl="0" eaLnBrk="1" latinLnBrk="0" hangingPunct="1">
+              <a:spcBef>
+                <a:spcPct val="20000"/>
+              </a:spcBef>
+              <a:buFont typeface="Arial" panose="020B0604020202020204"/>
+              <a:buNone/>
+              <a:defRPr sz="2000" kern="1200">
+                <a:solidFill>
+                  <a:schemeClr val="tx1">
+                    <a:tint val="75000"/>
+                  </a:schemeClr>
+                </a:solidFill>
+                <a:latin typeface="+mn-lt"/>
+                <a:ea typeface="+mn-ea"/>
+                <a:cs typeface="+mn-cs"/>
+              </a:defRPr>
+            </a:lvl5pPr>
+            <a:lvl6pPr marL="2286000" indent="0" algn="ctr" defTabSz="457200" rtl="0" eaLnBrk="1" latinLnBrk="0" hangingPunct="1">
+              <a:spcBef>
+                <a:spcPct val="20000"/>
+              </a:spcBef>
+              <a:buFont typeface="Arial" panose="020B0604020202020204"/>
+              <a:buNone/>
+              <a:defRPr sz="2000" kern="1200">
+                <a:solidFill>
+                  <a:schemeClr val="tx1">
+                    <a:tint val="75000"/>
+                  </a:schemeClr>
+                </a:solidFill>
+                <a:latin typeface="+mn-lt"/>
+                <a:ea typeface="+mn-ea"/>
+                <a:cs typeface="+mn-cs"/>
+              </a:defRPr>
+            </a:lvl6pPr>
+            <a:lvl7pPr marL="2743200" indent="0" algn="ctr" defTabSz="457200" rtl="0" eaLnBrk="1" latinLnBrk="0" hangingPunct="1">
+              <a:spcBef>
+                <a:spcPct val="20000"/>
+              </a:spcBef>
+              <a:buFont typeface="Arial" panose="020B0604020202020204"/>
+              <a:buNone/>
+              <a:defRPr sz="2000" kern="1200">
+                <a:solidFill>
+                  <a:schemeClr val="tx1">
+                    <a:tint val="75000"/>
+                  </a:schemeClr>
+                </a:solidFill>
+                <a:latin typeface="+mn-lt"/>
+                <a:ea typeface="+mn-ea"/>
+                <a:cs typeface="+mn-cs"/>
+              </a:defRPr>
+            </a:lvl7pPr>
+            <a:lvl8pPr marL="3200400" indent="0" algn="ctr" defTabSz="457200" rtl="0" eaLnBrk="1" latinLnBrk="0" hangingPunct="1">
+              <a:spcBef>
+                <a:spcPct val="20000"/>
+              </a:spcBef>
+              <a:buFont typeface="Arial" panose="020B0604020202020204"/>
+              <a:buNone/>
+              <a:defRPr sz="2000" kern="1200">
+                <a:solidFill>
+                  <a:schemeClr val="tx1">
+                    <a:tint val="75000"/>
+                  </a:schemeClr>
+                </a:solidFill>
+                <a:latin typeface="+mn-lt"/>
+                <a:ea typeface="+mn-ea"/>
+                <a:cs typeface="+mn-cs"/>
+              </a:defRPr>
+            </a:lvl8pPr>
+            <a:lvl9pPr marL="3657600" indent="0" algn="ctr" defTabSz="457200" rtl="0" eaLnBrk="1" latinLnBrk="0" hangingPunct="1">
+              <a:spcBef>
+                <a:spcPct val="20000"/>
+              </a:spcBef>
+              <a:buFont typeface="Arial" panose="020B0604020202020204"/>
+              <a:buNone/>
+              <a:defRPr sz="2000" kern="1200">
+                <a:solidFill>
+                  <a:schemeClr val="tx1">
+                    <a:tint val="75000"/>
+                  </a:schemeClr>
+                </a:solidFill>
+                <a:latin typeface="+mn-lt"/>
+                <a:ea typeface="+mn-ea"/>
+                <a:cs typeface="+mn-cs"/>
+              </a:defRPr>
+            </a:lvl9pPr>
+          </a:lstStyle>
+          <a:p>
+            <a:pPr lvl="1" algn="l">
+              <a:lnSpc>
+                <a:spcPct val="140000"/>
+              </a:lnSpc>
+              <a:buClr>
+                <a:schemeClr val="tx1">
+                  <a:lumMod val="50000"/>
+                  <a:lumOff val="50000"/>
+                </a:schemeClr>
+              </a:buClr>
+            </a:pPr>
+            <a:endParaRPr lang="zh-CN" altLang="en-US" sz="1400" dirty="0" smtClean="0">
+              <a:solidFill>
+                <a:srgbClr val="000000"/>
+              </a:solidFill>
+            </a:endParaRPr>
+          </a:p>
+        </p:txBody>
+      </p:sp>
+      <p:graphicFrame>
+        <p:nvGraphicFramePr>
+          <p:cNvPr id="2" name="表格 1"/>
+          <p:cNvGraphicFramePr/>
+          <p:nvPr/>
+        </p:nvGraphicFramePr>
+        <p:xfrm>
+          <a:off x="1030605" y="1115695"/>
+          <a:ext cx="6757670" cy="2505710"/>
+        </p:xfrm>
+        <a:graphic>
+          <a:graphicData uri="http://schemas.openxmlformats.org/drawingml/2006/table">
+            <a:tbl>
+              <a:tblPr firstRow="1" bandRow="1">
+                <a:tableStyleId>{5C22544A-7EE6-4342-B048-85BDC9FD1C3A}</a:tableStyleId>
+              </a:tblPr>
+              <a:tblGrid>
+                <a:gridCol w="1377315"/>
+                <a:gridCol w="2001282"/>
+                <a:gridCol w="1689775"/>
+                <a:gridCol w="1689298"/>
+              </a:tblGrid>
+              <a:tr h="835025">
+                <a:tc>
+                  <a:txBody>
+                    <a:bodyPr/>
+                    <a:p>
+                      <a:pPr>
+                        <a:buNone/>
+                      </a:pPr>
+                      <a:r>
+                        <a:rPr lang="zh-CN" altLang="en-US"/>
+                        <a:t>比较</a:t>
+                      </a:r>
+                      <a:endParaRPr lang="zh-CN" altLang="en-US"/>
+                    </a:p>
+                  </a:txBody>
+                  <a:tcPr/>
+                </a:tc>
+                <a:tc>
+                  <a:txBody>
+                    <a:bodyPr/>
+                    <a:p>
+                      <a:pPr>
+                        <a:buNone/>
+                      </a:pPr>
+                      <a:r>
+                        <a:rPr lang="en-US" altLang="zh-CN"/>
+                        <a:t>script</a:t>
+                      </a:r>
+                      <a:r>
+                        <a:rPr lang="zh-CN" altLang="en-US"/>
+                        <a:t>引入</a:t>
+                      </a:r>
+                      <a:endParaRPr lang="zh-CN" altLang="en-US"/>
+                    </a:p>
+                  </a:txBody>
+                  <a:tcPr/>
+                </a:tc>
+                <a:tc>
+                  <a:txBody>
+                    <a:bodyPr/>
+                    <a:p>
+                      <a:pPr>
+                        <a:buNone/>
+                      </a:pPr>
+                      <a:r>
+                        <a:rPr lang="en-US" altLang="zh-CN"/>
+                        <a:t>cdn</a:t>
+                      </a:r>
+                      <a:r>
+                        <a:rPr lang="zh-CN" altLang="en-US"/>
+                        <a:t>引入</a:t>
+                      </a:r>
+                      <a:endParaRPr lang="zh-CN" altLang="en-US"/>
+                    </a:p>
+                  </a:txBody>
+                  <a:tcPr/>
+                </a:tc>
+                <a:tc>
+                  <a:txBody>
+                    <a:bodyPr/>
+                    <a:p>
+                      <a:pPr>
+                        <a:buNone/>
+                      </a:pPr>
+                      <a:r>
+                        <a:rPr lang="en-US" altLang="zh-CN"/>
+                        <a:t>npm</a:t>
+                      </a:r>
+                      <a:r>
+                        <a:rPr lang="zh-CN" altLang="en-US"/>
+                        <a:t>安装</a:t>
+                      </a:r>
+                      <a:endParaRPr lang="zh-CN" altLang="en-US"/>
+                    </a:p>
+                  </a:txBody>
+                  <a:tcPr/>
+                </a:tc>
+              </a:tr>
+              <a:tr h="835660">
+                <a:tc>
+                  <a:txBody>
+                    <a:bodyPr/>
+                    <a:p>
+                      <a:pPr>
+                        <a:buNone/>
+                      </a:pPr>
+                      <a:r>
+                        <a:rPr lang="zh-CN" altLang="en-US"/>
+                        <a:t>优点</a:t>
+                      </a:r>
+                      <a:endParaRPr lang="zh-CN" altLang="en-US"/>
+                    </a:p>
+                  </a:txBody>
+                  <a:tcPr/>
+                </a:tc>
+                <a:tc>
+                  <a:txBody>
+                    <a:bodyPr/>
+                    <a:p>
+                      <a:pPr>
+                        <a:buNone/>
+                      </a:pPr>
+                      <a:r>
+                        <a:rPr lang="zh-CN" altLang="en-US" sz="1000"/>
+                        <a:t>代码在本地维护，方便修改源码，实现个性功能</a:t>
+                      </a:r>
+                      <a:endParaRPr lang="zh-CN" altLang="en-US" sz="1000"/>
+                    </a:p>
+                  </a:txBody>
+                  <a:tcPr/>
+                </a:tc>
+                <a:tc>
+                  <a:txBody>
+                    <a:bodyPr/>
+                    <a:p>
+                      <a:pPr>
+                        <a:buNone/>
+                      </a:pPr>
+                      <a:r>
+                        <a:rPr lang="zh-CN" altLang="en-US" sz="1000"/>
+                        <a:t>将</a:t>
+                      </a:r>
+                      <a:r>
+                        <a:rPr lang="en-US" altLang="zh-CN" sz="1000"/>
+                        <a:t>js</a:t>
+                      </a:r>
+                      <a:r>
+                        <a:rPr lang="zh-CN" altLang="en-US" sz="1000"/>
+                        <a:t>文件交给</a:t>
+                      </a:r>
+                      <a:r>
+                        <a:rPr lang="en-US" altLang="zh-CN" sz="1000"/>
+                        <a:t>cdn</a:t>
+                      </a:r>
+                      <a:r>
+                        <a:rPr lang="zh-CN" altLang="en-US" sz="1000"/>
+                        <a:t>，能最快速的加载，减小服务器压力</a:t>
+                      </a:r>
+                      <a:endParaRPr lang="zh-CN" altLang="en-US" sz="1000"/>
+                    </a:p>
+                  </a:txBody>
+                  <a:tcPr/>
+                </a:tc>
+                <a:tc>
+                  <a:txBody>
+                    <a:bodyPr/>
+                    <a:p>
+                      <a:pPr>
+                        <a:buNone/>
+                      </a:pPr>
+                      <a:r>
+                        <a:rPr lang="zh-CN" altLang="en-US" sz="1000"/>
+                        <a:t>可以按需引入</a:t>
+                      </a:r>
+                      <a:r>
+                        <a:rPr lang="en-US" altLang="zh-CN" sz="1000"/>
+                        <a:t>vue</a:t>
+                      </a:r>
+                      <a:r>
+                        <a:rPr lang="zh-CN" altLang="en-US" sz="1000"/>
+                        <a:t>，组件化开发</a:t>
+                      </a:r>
+                      <a:endParaRPr lang="zh-CN" altLang="en-US" sz="1000"/>
+                    </a:p>
+                  </a:txBody>
+                  <a:tcPr/>
+                </a:tc>
+              </a:tr>
+              <a:tr h="835025">
+                <a:tc>
+                  <a:txBody>
+                    <a:bodyPr/>
+                    <a:p>
+                      <a:pPr>
+                        <a:buNone/>
+                      </a:pPr>
+                      <a:r>
+                        <a:rPr lang="zh-CN" altLang="en-US"/>
+                        <a:t>缺点</a:t>
+                      </a:r>
+                      <a:endParaRPr lang="zh-CN" altLang="en-US"/>
+                    </a:p>
+                  </a:txBody>
+                  <a:tcPr/>
+                </a:tc>
+                <a:tc>
+                  <a:txBody>
+                    <a:bodyPr/>
+                    <a:p>
+                      <a:pPr>
+                        <a:buNone/>
+                      </a:pPr>
+                      <a:r>
+                        <a:rPr lang="zh-CN" altLang="en-US" sz="1000"/>
+                        <a:t>文件本身的</a:t>
+                      </a:r>
+                      <a:r>
+                        <a:rPr lang="en-US" altLang="zh-CN" sz="1000"/>
+                        <a:t>io</a:t>
+                      </a:r>
+                      <a:r>
+                        <a:rPr lang="zh-CN" altLang="en-US" sz="1000"/>
+                        <a:t>读取取决于</a:t>
+                      </a:r>
+                      <a:r>
+                        <a:rPr lang="en-US" altLang="zh-CN" sz="1000"/>
+                        <a:t>web</a:t>
+                      </a:r>
+                      <a:r>
+                        <a:rPr lang="zh-CN" altLang="en-US" sz="1000"/>
+                        <a:t>应用服务器的能力</a:t>
+                      </a:r>
+                      <a:endParaRPr lang="zh-CN" altLang="en-US" sz="1000"/>
+                    </a:p>
+                  </a:txBody>
+                  <a:tcPr/>
+                </a:tc>
+                <a:tc>
+                  <a:txBody>
+                    <a:bodyPr/>
+                    <a:p>
+                      <a:pPr>
+                        <a:buNone/>
+                      </a:pPr>
+                      <a:r>
+                        <a:rPr lang="zh-CN" altLang="en-US" sz="1000"/>
+                        <a:t>版本更新可能存在延时</a:t>
+                      </a:r>
+                      <a:endParaRPr lang="zh-CN" altLang="en-US" sz="1000"/>
+                    </a:p>
+                  </a:txBody>
+                  <a:tcPr/>
+                </a:tc>
+                <a:tc>
+                  <a:txBody>
+                    <a:bodyPr/>
+                    <a:p>
+                      <a:pPr>
+                        <a:buNone/>
+                      </a:pPr>
+                      <a:r>
+                        <a:rPr lang="zh-CN" altLang="en-US" sz="1000"/>
+                        <a:t>语法较为复杂，需要学习</a:t>
+                      </a:r>
+                      <a:r>
+                        <a:rPr lang="en-US" altLang="zh-CN" sz="1000"/>
+                        <a:t>vue</a:t>
+                      </a:r>
+                      <a:r>
+                        <a:rPr lang="zh-CN" altLang="en-US" sz="1000"/>
+                        <a:t>组件化知识，需要学习</a:t>
+                      </a:r>
+                      <a:r>
+                        <a:rPr lang="en-US" altLang="zh-CN" sz="1000"/>
+                        <a:t>webpack</a:t>
+                      </a:r>
+                      <a:r>
+                        <a:rPr lang="zh-CN" altLang="en-US" sz="1000"/>
+                        <a:t>或其它打包构建工具</a:t>
+                      </a:r>
+                      <a:endParaRPr lang="zh-CN" altLang="en-US" sz="1000"/>
+                    </a:p>
+                  </a:txBody>
+                  <a:tcPr/>
+                </a:tc>
+              </a:tr>
+            </a:tbl>
+          </a:graphicData>
+        </a:graphic>
+      </p:graphicFrame>
     </p:spTree>
   </p:cSld>
   <p:clrMapOvr>
@@ -5409,6 +5993,14 @@
               </a:rPr>
               <a:t>目录</a:t>
             </a:r>
+            <a:endParaRPr lang="zh-CN" altLang="en-US" sz="2800" b="1" dirty="0" smtClean="0">
+              <a:solidFill>
+                <a:schemeClr val="tx2"/>
+              </a:solidFill>
+              <a:latin typeface="微软雅黑" panose="020B0503020204020204" charset="-122"/>
+              <a:ea typeface="微软雅黑" panose="020B0503020204020204" charset="-122"/>
+              <a:cs typeface="微软雅黑" panose="020B0503020204020204" charset="-122"/>
+            </a:endParaRPr>
           </a:p>
         </p:txBody>
       </p:sp>
@@ -6008,6 +6600,11 @@
               </a:rPr>
               <a:t>是什么？</a:t>
             </a:r>
+            <a:endParaRPr lang="zh-CN" altLang="en-US" sz="1600" dirty="0" smtClean="0">
+              <a:solidFill>
+                <a:srgbClr val="000000"/>
+              </a:solidFill>
+            </a:endParaRPr>
           </a:p>
           <a:p>
             <a:pPr algn="l">
@@ -6080,6 +6677,11 @@
               </a:rPr>
               <a:t>层，因此它非常容易学习，非常容易与其它库或已有项目整合。</a:t>
             </a:r>
+            <a:endParaRPr lang="zh-CN" altLang="en-US" sz="1600" dirty="0" smtClean="0">
+              <a:solidFill>
+                <a:srgbClr val="000000"/>
+              </a:solidFill>
+            </a:endParaRPr>
           </a:p>
           <a:p>
             <a:pPr marL="342900" indent="-342900" algn="l">
@@ -6107,6 +6709,12 @@
               </a:rPr>
               <a:t>Vue.js?</a:t>
             </a:r>
+            <a:endParaRPr lang="en-US" altLang="zh-CN" sz="1600" dirty="0" err="1" smtClean="0">
+              <a:solidFill>
+                <a:srgbClr val="000000"/>
+              </a:solidFill>
+              <a:sym typeface="Source Sans Pro"/>
+            </a:endParaRPr>
           </a:p>
           <a:p>
             <a:pPr algn="l">
@@ -6133,6 +6741,12 @@
               </a:rPr>
               <a:t>：</a:t>
             </a:r>
+            <a:endParaRPr lang="zh-CN" altLang="en-US" sz="1600" dirty="0" err="1" smtClean="0">
+              <a:solidFill>
+                <a:srgbClr val="000000"/>
+              </a:solidFill>
+              <a:sym typeface="Source Sans Pro"/>
+            </a:endParaRPr>
           </a:p>
           <a:p>
             <a:pPr algn="l">
@@ -6149,6 +6763,12 @@
               </a:rPr>
               <a:t>	1.重新渲染整个视图是昂贵的</a:t>
             </a:r>
+            <a:endParaRPr lang="en-US" altLang="zh-CN" sz="1600" dirty="0" err="1" smtClean="0">
+              <a:solidFill>
+                <a:srgbClr val="000000"/>
+              </a:solidFill>
+              <a:sym typeface="Source Sans Pro"/>
+            </a:endParaRPr>
           </a:p>
           <a:p>
             <a:pPr algn="l">
@@ -6177,15 +6797,6 @@
                 <a:srgbClr val="FEB409"/>
               </a:buClr>
             </a:pPr>
-            <a:r>
-              <a:rPr lang="en-US" altLang="zh-CN" sz="1800" dirty="0" err="1" smtClean="0">
-                <a:solidFill>
-                  <a:srgbClr val="000000"/>
-                </a:solidFill>
-                <a:sym typeface="Source Sans Pro"/>
-              </a:rPr>
-              <a:t/>
-            </a:r>
             <a:br>
               <a:rPr lang="en-US" altLang="zh-CN" sz="1800" dirty="0" err="1" smtClean="0">
                 <a:solidFill>
@@ -6336,7 +6947,6 @@
           <a:bodyPr lIns="91425" tIns="91425" rIns="91425" bIns="91425" anchor="ctr" anchorCtr="0">
             <a:noAutofit/>
           </a:bodyPr>
-          <a:lstStyle/>
           <a:p>
             <a:pPr lvl="0" algn="ctr" rtl="0">
               <a:spcBef>
@@ -6356,6 +6966,15 @@
               </a:rPr>
               <a:t>视图</a:t>
             </a:r>
+            <a:endParaRPr lang="en-GB" sz="1800" b="1">
+              <a:solidFill>
+                <a:srgbClr val="34495E"/>
+              </a:solidFill>
+              <a:latin typeface="Source Sans Pro"/>
+              <a:ea typeface="Source Sans Pro"/>
+              <a:cs typeface="Source Sans Pro"/>
+              <a:sym typeface="Source Sans Pro"/>
+            </a:endParaRPr>
           </a:p>
           <a:p>
             <a:pPr lvl="0" algn="ctr">
@@ -6376,6 +6995,15 @@
               </a:rPr>
               <a:t>View</a:t>
             </a:r>
+            <a:endParaRPr lang="en-GB" sz="1800" b="1">
+              <a:solidFill>
+                <a:srgbClr val="34495E"/>
+              </a:solidFill>
+              <a:latin typeface="Source Sans Pro"/>
+              <a:ea typeface="Source Sans Pro"/>
+              <a:cs typeface="Source Sans Pro"/>
+              <a:sym typeface="Source Sans Pro"/>
+            </a:endParaRPr>
           </a:p>
         </p:txBody>
       </p:sp>
@@ -6459,7 +7087,6 @@
           <a:bodyPr lIns="91425" tIns="91425" rIns="91425" bIns="91425" anchor="ctr" anchorCtr="0">
             <a:noAutofit/>
           </a:bodyPr>
-          <a:lstStyle/>
           <a:p>
             <a:pPr lvl="0" algn="ctr" rtl="0">
               <a:spcBef>
@@ -6475,6 +7102,11 @@
               </a:rPr>
               <a:t>用户行为</a:t>
             </a:r>
+            <a:endParaRPr lang="en-GB" sz="1800" b="1">
+              <a:solidFill>
+                <a:srgbClr val="34495E"/>
+              </a:solidFill>
+            </a:endParaRPr>
           </a:p>
           <a:p>
             <a:pPr lvl="0" algn="ctr">
@@ -6491,6 +7123,11 @@
               </a:rPr>
               <a:t>User Input</a:t>
             </a:r>
+            <a:endParaRPr lang="en-GB" sz="1800" b="1">
+              <a:solidFill>
+                <a:srgbClr val="34495E"/>
+              </a:solidFill>
+            </a:endParaRPr>
           </a:p>
         </p:txBody>
       </p:sp>
@@ -6521,7 +7158,6 @@
           <a:bodyPr lIns="91425" tIns="91425" rIns="91425" bIns="91425" anchor="ctr" anchorCtr="0">
             <a:noAutofit/>
           </a:bodyPr>
-          <a:lstStyle/>
           <a:p>
             <a:pPr lvl="0" algn="ctr" rtl="0">
               <a:spcBef>
@@ -6541,6 +7177,15 @@
               </a:rPr>
               <a:t>数据模型</a:t>
             </a:r>
+            <a:endParaRPr lang="en-GB" sz="1800" b="1">
+              <a:solidFill>
+                <a:srgbClr val="FFFFFF"/>
+              </a:solidFill>
+              <a:latin typeface="Source Sans Pro"/>
+              <a:ea typeface="Source Sans Pro"/>
+              <a:cs typeface="Source Sans Pro"/>
+              <a:sym typeface="Source Sans Pro"/>
+            </a:endParaRPr>
           </a:p>
           <a:p>
             <a:pPr lvl="0" algn="ctr">
@@ -6561,6 +7206,15 @@
               </a:rPr>
               <a:t>Model</a:t>
             </a:r>
+            <a:endParaRPr lang="en-GB" sz="1800" b="1">
+              <a:solidFill>
+                <a:srgbClr val="FFFFFF"/>
+              </a:solidFill>
+              <a:latin typeface="Source Sans Pro"/>
+              <a:ea typeface="Source Sans Pro"/>
+              <a:cs typeface="Source Sans Pro"/>
+              <a:sym typeface="Source Sans Pro"/>
+            </a:endParaRPr>
           </a:p>
         </p:txBody>
       </p:sp>
@@ -6587,7 +7241,6 @@
           <a:bodyPr lIns="91425" tIns="91425" rIns="91425" bIns="91425" anchor="t" anchorCtr="0">
             <a:noAutofit/>
           </a:bodyPr>
-          <a:lstStyle/>
           <a:p>
             <a:pPr lvl="0" algn="ctr" rtl="0">
               <a:spcBef>
@@ -6603,6 +7256,11 @@
               </a:rPr>
               <a:t>渲染</a:t>
             </a:r>
+            <a:endParaRPr lang="en-GB" b="1">
+              <a:solidFill>
+                <a:srgbClr val="34495E"/>
+              </a:solidFill>
+            </a:endParaRPr>
           </a:p>
         </p:txBody>
       </p:sp>
@@ -6623,14 +7281,7 @@
         <p:cNvGrpSpPr/>
         <p:nvPr/>
       </p:nvGrpSpPr>
-      <p:grpSpPr>
-        <a:xfrm>
-          <a:off x="0" y="0"/>
-          <a:ext cx="0" cy="0"/>
-          <a:chOff x="0" y="0"/>
-          <a:chExt cx="0" cy="0"/>
-        </a:xfrm>
-      </p:grpSpPr>
+      <p:grpSpPr/>
       <p:sp>
         <p:nvSpPr>
           <p:cNvPr id="130" name="Shape 130"/>
@@ -6654,7 +7305,6 @@
           <a:bodyPr lIns="91425" tIns="91425" rIns="91425" bIns="91425" anchor="t" anchorCtr="0">
             <a:noAutofit/>
           </a:bodyPr>
-          <a:lstStyle/>
           <a:p>
             <a:pPr lvl="0" algn="ctr">
               <a:spcBef>
@@ -6671,6 +7321,12 @@
               </a:rPr>
               <a:t>DOM</a:t>
             </a:r>
+            <a:endParaRPr lang="en-GB" sz="2400" b="1">
+              <a:latin typeface="Source Sans Pro"/>
+              <a:ea typeface="Source Sans Pro"/>
+              <a:cs typeface="Source Sans Pro"/>
+              <a:sym typeface="Source Sans Pro"/>
+            </a:endParaRPr>
           </a:p>
         </p:txBody>
       </p:sp>
@@ -6697,7 +7353,6 @@
           <a:bodyPr lIns="91425" tIns="91425" rIns="91425" bIns="91425" anchor="t" anchorCtr="0">
             <a:noAutofit/>
           </a:bodyPr>
-          <a:lstStyle/>
           <a:p>
             <a:pPr lvl="0" algn="ctr" rtl="0">
               <a:spcBef>
@@ -6714,6 +7369,12 @@
               </a:rPr>
               <a:t>POJO</a:t>
             </a:r>
+            <a:endParaRPr lang="en-GB" sz="2400" b="1">
+              <a:latin typeface="Source Sans Pro"/>
+              <a:ea typeface="Source Sans Pro"/>
+              <a:cs typeface="Source Sans Pro"/>
+              <a:sym typeface="Source Sans Pro"/>
+            </a:endParaRPr>
           </a:p>
           <a:p>
             <a:pPr lvl="0" algn="ctr" rtl="0">
@@ -6731,6 +7392,12 @@
               </a:rPr>
               <a:t>(原生JS对象)</a:t>
             </a:r>
+            <a:endParaRPr lang="en-GB" b="1">
+              <a:latin typeface="Source Sans Pro"/>
+              <a:ea typeface="Source Sans Pro"/>
+              <a:cs typeface="Source Sans Pro"/>
+              <a:sym typeface="Source Sans Pro"/>
+            </a:endParaRPr>
           </a:p>
         </p:txBody>
       </p:sp>
@@ -6757,7 +7424,6 @@
           <a:bodyPr lIns="91425" tIns="91425" rIns="91425" bIns="91425" anchor="t" anchorCtr="0">
             <a:noAutofit/>
           </a:bodyPr>
-          <a:lstStyle/>
           <a:p>
             <a:pPr lvl="0" algn="ctr" rtl="0">
               <a:spcBef>
@@ -6774,6 +7440,12 @@
               </a:rPr>
               <a:t>Vue</a:t>
             </a:r>
+            <a:endParaRPr lang="en-GB" sz="2400" b="1">
+              <a:latin typeface="Source Sans Pro"/>
+              <a:ea typeface="Source Sans Pro"/>
+              <a:cs typeface="Source Sans Pro"/>
+              <a:sym typeface="Source Sans Pro"/>
+            </a:endParaRPr>
           </a:p>
         </p:txBody>
       </p:sp>
@@ -6886,7 +7558,6 @@
           <a:bodyPr lIns="91425" tIns="91425" rIns="91425" bIns="91425" anchor="ctr" anchorCtr="0">
             <a:noAutofit/>
           </a:bodyPr>
-          <a:lstStyle/>
           <a:p>
             <a:pPr lvl="0" algn="ctr" rtl="0">
               <a:spcBef>
@@ -6906,6 +7577,15 @@
               </a:rPr>
               <a:t>View</a:t>
             </a:r>
+            <a:endParaRPr lang="en-GB" sz="1800" b="1">
+              <a:solidFill>
+                <a:srgbClr val="34495E"/>
+              </a:solidFill>
+              <a:latin typeface="Source Sans Pro"/>
+              <a:ea typeface="Source Sans Pro"/>
+              <a:cs typeface="Source Sans Pro"/>
+              <a:sym typeface="Source Sans Pro"/>
+            </a:endParaRPr>
           </a:p>
         </p:txBody>
       </p:sp>
@@ -6936,7 +7616,6 @@
           <a:bodyPr lIns="91425" tIns="91425" rIns="91425" bIns="91425" anchor="ctr" anchorCtr="0">
             <a:noAutofit/>
           </a:bodyPr>
-          <a:lstStyle/>
           <a:p>
             <a:pPr lvl="0" algn="ctr" rtl="0">
               <a:spcBef>
@@ -6952,6 +7631,11 @@
               </a:rPr>
               <a:t>ViewModel</a:t>
             </a:r>
+            <a:endParaRPr lang="en-GB" b="1">
+              <a:solidFill>
+                <a:srgbClr val="FFFFFF"/>
+              </a:solidFill>
+            </a:endParaRPr>
           </a:p>
         </p:txBody>
       </p:sp>
@@ -6982,7 +7666,6 @@
           <a:bodyPr lIns="91425" tIns="91425" rIns="91425" bIns="91425" anchor="ctr" anchorCtr="0">
             <a:noAutofit/>
           </a:bodyPr>
-          <a:lstStyle/>
           <a:p>
             <a:pPr lvl="0" algn="ctr" rtl="0">
               <a:spcBef>
@@ -7002,6 +7685,15 @@
               </a:rPr>
               <a:t>Model</a:t>
             </a:r>
+            <a:endParaRPr lang="en-GB" sz="1800" b="1">
+              <a:solidFill>
+                <a:srgbClr val="FFFFFF"/>
+              </a:solidFill>
+              <a:latin typeface="Source Sans Pro"/>
+              <a:ea typeface="Source Sans Pro"/>
+              <a:cs typeface="Source Sans Pro"/>
+              <a:sym typeface="Source Sans Pro"/>
+            </a:endParaRPr>
           </a:p>
         </p:txBody>
       </p:sp>
@@ -7213,7 +7905,7 @@
   <p:cSld>
     <p:spTree>
       <p:nvGrpSpPr>
-        <p:cNvPr id="1" name="Shape 156"/>
+        <p:cNvPr id="156" name="Shape 156"/>
         <p:cNvGrpSpPr/>
         <p:nvPr/>
       </p:nvGrpSpPr>
@@ -7516,7 +8208,7 @@
               </a:rPr>
               <a:t>'Hello Vue.js!'</a:t>
             </a:r>
-            <a:r>
+            <a:br>
               <a:rPr lang="en-GB" sz="1200">
                 <a:solidFill>
                   <a:srgbClr val="080808"/>
@@ -7529,9 +8221,8 @@
                 <a:cs typeface="Consolas" panose="020B0609020204030204"/>
                 <a:sym typeface="Consolas" panose="020B0609020204030204"/>
               </a:rPr>
-              <a:t/>
-            </a:r>
-            <a:br>
+            </a:br>
+            <a:r>
               <a:rPr lang="en-GB" sz="1200">
                 <a:solidFill>
                   <a:srgbClr val="080808"/>
@@ -7544,8 +8235,9 @@
                 <a:cs typeface="Consolas" panose="020B0609020204030204"/>
                 <a:sym typeface="Consolas" panose="020B0609020204030204"/>
               </a:rPr>
-            </a:br>
-            <a:r>
+              <a:t>  }</a:t>
+            </a:r>
+            <a:br>
               <a:rPr lang="en-GB" sz="1200">
                 <a:solidFill>
                   <a:srgbClr val="080808"/>
@@ -7558,9 +8250,8 @@
                 <a:cs typeface="Consolas" panose="020B0609020204030204"/>
                 <a:sym typeface="Consolas" panose="020B0609020204030204"/>
               </a:rPr>
-              <a:t>  }</a:t>
-            </a:r>
-            <a:br>
+            </a:br>
+            <a:r>
               <a:rPr lang="en-GB" sz="1200">
                 <a:solidFill>
                   <a:srgbClr val="080808"/>
@@ -7573,22 +8264,20 @@
                 <a:cs typeface="Consolas" panose="020B0609020204030204"/>
                 <a:sym typeface="Consolas" panose="020B0609020204030204"/>
               </a:rPr>
-            </a:br>
-            <a:r>
-              <a:rPr lang="en-GB" sz="1200">
-                <a:solidFill>
-                  <a:srgbClr val="080808"/>
-                </a:solidFill>
-                <a:highlight>
-                  <a:srgbClr val="F9F9F9"/>
-                </a:highlight>
-                <a:latin typeface="Consolas" panose="020B0609020204030204"/>
-                <a:ea typeface="Consolas" panose="020B0609020204030204"/>
-                <a:cs typeface="Consolas" panose="020B0609020204030204"/>
-                <a:sym typeface="Consolas" panose="020B0609020204030204"/>
-              </a:rPr>
               <a:t>})</a:t>
             </a:r>
+            <a:endParaRPr lang="en-GB" sz="1200">
+              <a:solidFill>
+                <a:srgbClr val="080808"/>
+              </a:solidFill>
+              <a:highlight>
+                <a:srgbClr val="F9F9F9"/>
+              </a:highlight>
+              <a:latin typeface="Consolas" panose="020B0609020204030204"/>
+              <a:ea typeface="Consolas" panose="020B0609020204030204"/>
+              <a:cs typeface="Consolas" panose="020B0609020204030204"/>
+              <a:sym typeface="Consolas" panose="020B0609020204030204"/>
+            </a:endParaRPr>
           </a:p>
           <a:p>
             <a:pPr lvl="0" rtl="0">
@@ -7907,6 +8596,18 @@
               </a:rPr>
               <a:t>&gt;</a:t>
             </a:r>
+            <a:endParaRPr lang="en-GB" sz="1200">
+              <a:solidFill>
+                <a:srgbClr val="080808"/>
+              </a:solidFill>
+              <a:highlight>
+                <a:srgbClr val="F9F9F9"/>
+              </a:highlight>
+              <a:latin typeface="Consolas" panose="020B0609020204030204"/>
+              <a:ea typeface="Consolas" panose="020B0609020204030204"/>
+              <a:cs typeface="Consolas" panose="020B0609020204030204"/>
+              <a:sym typeface="Consolas" panose="020B0609020204030204"/>
+            </a:endParaRPr>
           </a:p>
           <a:p>
             <a:pPr lvl="0" rtl="0">
@@ -7965,6 +8666,15 @@
               </a:rPr>
               <a:t>JavaScript</a:t>
             </a:r>
+            <a:endParaRPr lang="en-GB" b="1">
+              <a:solidFill>
+                <a:srgbClr val="34495E"/>
+              </a:solidFill>
+              <a:latin typeface="Source Sans Pro"/>
+              <a:ea typeface="Source Sans Pro"/>
+              <a:cs typeface="Source Sans Pro"/>
+              <a:sym typeface="Source Sans Pro"/>
+            </a:endParaRPr>
           </a:p>
         </p:txBody>
       </p:sp>
@@ -8011,6 +8721,15 @@
               </a:rPr>
               <a:t>指令 Directive</a:t>
             </a:r>
+            <a:endParaRPr lang="en-GB" sz="1350" b="1">
+              <a:solidFill>
+                <a:srgbClr val="42B983"/>
+              </a:solidFill>
+              <a:latin typeface="Source Sans Pro"/>
+              <a:ea typeface="Source Sans Pro"/>
+              <a:cs typeface="Source Sans Pro"/>
+              <a:sym typeface="Source Sans Pro"/>
+            </a:endParaRPr>
           </a:p>
           <a:p>
             <a:pPr lvl="0" algn="ctr">
@@ -8031,6 +8750,15 @@
               </a:rPr>
               <a:t>（插值其实被编译为 v-text 指令）</a:t>
             </a:r>
+            <a:endParaRPr lang="en-GB" sz="1350" b="1">
+              <a:solidFill>
+                <a:srgbClr val="42B983"/>
+              </a:solidFill>
+              <a:latin typeface="Source Sans Pro"/>
+              <a:ea typeface="Source Sans Pro"/>
+              <a:cs typeface="Source Sans Pro"/>
+              <a:sym typeface="Source Sans Pro"/>
+            </a:endParaRPr>
           </a:p>
         </p:txBody>
       </p:sp>
@@ -8131,6 +8859,15 @@
               </a:rPr>
               <a:t>ViewModel</a:t>
             </a:r>
+            <a:endParaRPr lang="en-GB" sz="1350" b="1">
+              <a:solidFill>
+                <a:srgbClr val="42B983"/>
+              </a:solidFill>
+              <a:latin typeface="Source Sans Pro"/>
+              <a:ea typeface="Source Sans Pro"/>
+              <a:cs typeface="Source Sans Pro"/>
+              <a:sym typeface="Source Sans Pro"/>
+            </a:endParaRPr>
           </a:p>
         </p:txBody>
       </p:sp>
@@ -8205,6 +8942,15 @@
               </a:rPr>
               <a:t>Model</a:t>
             </a:r>
+            <a:endParaRPr lang="en-GB" sz="1350" b="1">
+              <a:solidFill>
+                <a:srgbClr val="42B983"/>
+              </a:solidFill>
+              <a:latin typeface="Source Sans Pro"/>
+              <a:ea typeface="Source Sans Pro"/>
+              <a:cs typeface="Source Sans Pro"/>
+              <a:sym typeface="Source Sans Pro"/>
+            </a:endParaRPr>
           </a:p>
         </p:txBody>
       </p:sp>
@@ -8280,6 +9026,15 @@
               </a:rPr>
               <a:t>View</a:t>
             </a:r>
+            <a:endParaRPr lang="en-GB" sz="1350" b="1">
+              <a:solidFill>
+                <a:srgbClr val="42B983"/>
+              </a:solidFill>
+              <a:latin typeface="Source Sans Pro"/>
+              <a:ea typeface="Source Sans Pro"/>
+              <a:cs typeface="Source Sans Pro"/>
+              <a:sym typeface="Source Sans Pro"/>
+            </a:endParaRPr>
           </a:p>
         </p:txBody>
       </p:sp>
@@ -8326,6 +9081,15 @@
               </a:rPr>
               <a:t>HTML</a:t>
             </a:r>
+            <a:endParaRPr lang="en-GB" b="1">
+              <a:solidFill>
+                <a:srgbClr val="34495E"/>
+              </a:solidFill>
+              <a:latin typeface="Source Sans Pro"/>
+              <a:ea typeface="Source Sans Pro"/>
+              <a:cs typeface="Source Sans Pro"/>
+              <a:sym typeface="Source Sans Pro"/>
+            </a:endParaRPr>
           </a:p>
         </p:txBody>
       </p:sp>
@@ -8440,14 +9204,7 @@
         <p:cNvGrpSpPr/>
         <p:nvPr/>
       </p:nvGrpSpPr>
-      <p:grpSpPr>
-        <a:xfrm>
-          <a:off x="0" y="0"/>
-          <a:ext cx="0" cy="0"/>
-          <a:chOff x="0" y="0"/>
-          <a:chExt cx="0" cy="0"/>
-        </a:xfrm>
-      </p:grpSpPr>
+      <p:grpSpPr/>
       <p:sp>
         <p:nvSpPr>
           <p:cNvPr id="4" name="文本框 3"/>
@@ -8468,132 +9225,152 @@
           <a:bodyPr wrap="square" rtlCol="0" anchor="t">
             <a:spAutoFit/>
           </a:bodyPr>
-          <a:lstStyle/>
           <a:p>
             <a:r>
               <a:rPr lang="zh-CN" altLang="en-US" sz="1000"/>
               <a:t>&lt;!DOCTYPE html&gt;</a:t>
             </a:r>
+            <a:endParaRPr lang="zh-CN" altLang="en-US" sz="1000"/>
           </a:p>
           <a:p>
             <a:r>
               <a:rPr lang="zh-CN" altLang="en-US" sz="1000"/>
               <a:t>&lt;html&gt;</a:t>
             </a:r>
+            <a:endParaRPr lang="zh-CN" altLang="en-US" sz="1000"/>
           </a:p>
           <a:p>
             <a:r>
               <a:rPr lang="zh-CN" altLang="en-US" sz="1000"/>
               <a:t>	&lt;head&gt;</a:t>
             </a:r>
+            <a:endParaRPr lang="zh-CN" altLang="en-US" sz="1000"/>
           </a:p>
           <a:p>
             <a:r>
               <a:rPr lang="zh-CN" altLang="en-US" sz="1000"/>
               <a:t>		&lt;meta charset="UTF-8"&gt;</a:t>
             </a:r>
+            <a:endParaRPr lang="zh-CN" altLang="en-US" sz="1000"/>
           </a:p>
           <a:p>
             <a:r>
               <a:rPr lang="zh-CN" altLang="en-US" sz="1000"/>
               <a:t>		&lt;title&gt;什么是Vue&lt;/title&gt;</a:t>
             </a:r>
+            <a:endParaRPr lang="zh-CN" altLang="en-US" sz="1000"/>
           </a:p>
           <a:p>
             <a:r>
               <a:rPr lang="zh-CN" altLang="en-US" sz="1000"/>
               <a:t>	&lt;/head&gt;</a:t>
             </a:r>
+            <a:endParaRPr lang="zh-CN" altLang="en-US" sz="1000"/>
           </a:p>
           <a:p>
             <a:r>
               <a:rPr lang="zh-CN" altLang="en-US" sz="1000"/>
               <a:t>	&lt;body&gt;</a:t>
             </a:r>
+            <a:endParaRPr lang="zh-CN" altLang="en-US" sz="1000"/>
           </a:p>
           <a:p>
             <a:r>
               <a:rPr lang="zh-CN" altLang="en-US" sz="1000"/>
               <a:t>		&lt;div id="demo"&gt;</a:t>
             </a:r>
+            <a:endParaRPr lang="zh-CN" altLang="en-US" sz="1000"/>
           </a:p>
           <a:p>
             <a:r>
               <a:rPr lang="zh-CN" altLang="en-US" sz="1000"/>
               <a:t>			&lt;h1&gt;{{msg}}&lt;/h1&gt;</a:t>
             </a:r>
+            <a:endParaRPr lang="zh-CN" altLang="en-US" sz="1000"/>
           </a:p>
           <a:p>
             <a:r>
               <a:rPr lang="zh-CN" altLang="en-US" sz="1000"/>
               <a:t>		&lt;/div&gt;</a:t>
             </a:r>
+            <a:endParaRPr lang="zh-CN" altLang="en-US" sz="1000"/>
           </a:p>
           <a:p>
             <a:r>
               <a:rPr lang="zh-CN" altLang="en-US" sz="1000"/>
               <a:t>		&lt;script src="vue.js" type="text/javascript" charset="utf-8"&gt;&lt;/script&gt;</a:t>
             </a:r>
+            <a:endParaRPr lang="zh-CN" altLang="en-US" sz="1000"/>
           </a:p>
           <a:p>
             <a:r>
               <a:rPr lang="zh-CN" altLang="en-US" sz="1000"/>
               <a:t>		&lt;script type="text/javascript"&gt;</a:t>
             </a:r>
+            <a:endParaRPr lang="zh-CN" altLang="en-US" sz="1000"/>
           </a:p>
           <a:p>
             <a:r>
               <a:rPr lang="zh-CN" altLang="en-US" sz="1000"/>
               <a:t>			var vm = new Vue({</a:t>
             </a:r>
+            <a:endParaRPr lang="zh-CN" altLang="en-US" sz="1000"/>
           </a:p>
           <a:p>
             <a:r>
               <a:rPr lang="zh-CN" altLang="en-US" sz="1000"/>
               <a:t>				el:'#demo',</a:t>
             </a:r>
+            <a:endParaRPr lang="zh-CN" altLang="en-US" sz="1000"/>
           </a:p>
           <a:p>
             <a:r>
               <a:rPr lang="zh-CN" altLang="en-US" sz="1000"/>
               <a:t>				data:{</a:t>
             </a:r>
+            <a:endParaRPr lang="zh-CN" altLang="en-US" sz="1000"/>
           </a:p>
           <a:p>
             <a:r>
               <a:rPr lang="zh-CN" altLang="en-US" sz="1000"/>
               <a:t>					msg:'hello vue.js'</a:t>
             </a:r>
+            <a:endParaRPr lang="zh-CN" altLang="en-US" sz="1000"/>
           </a:p>
           <a:p>
             <a:r>
               <a:rPr lang="zh-CN" altLang="en-US" sz="1000"/>
               <a:t>				}</a:t>
             </a:r>
+            <a:endParaRPr lang="zh-CN" altLang="en-US" sz="1000"/>
           </a:p>
           <a:p>
             <a:r>
               <a:rPr lang="zh-CN" altLang="en-US" sz="1000"/>
               <a:t>			});</a:t>
             </a:r>
+            <a:endParaRPr lang="zh-CN" altLang="en-US" sz="1000"/>
           </a:p>
           <a:p>
             <a:r>
               <a:rPr lang="zh-CN" altLang="en-US" sz="1000"/>
               <a:t>		&lt;/script&gt;</a:t>
             </a:r>
+            <a:endParaRPr lang="zh-CN" altLang="en-US" sz="1000"/>
           </a:p>
           <a:p>
             <a:r>
               <a:rPr lang="zh-CN" altLang="en-US" sz="1000"/>
               <a:t>	&lt;/body&gt;</a:t>
             </a:r>
+            <a:endParaRPr lang="zh-CN" altLang="en-US" sz="1000"/>
           </a:p>
           <a:p>
             <a:r>
               <a:rPr lang="zh-CN" altLang="en-US" sz="1000"/>
               <a:t>&lt;/html&gt;</a:t>
             </a:r>
+            <a:endParaRPr lang="zh-CN" altLang="en-US" sz="1000"/>
           </a:p>
         </p:txBody>
       </p:sp>
@@ -8688,6 +9465,14 @@
               </a:rPr>
               <a:t>helloworld</a:t>
             </a:r>
+            <a:endParaRPr lang="en-US" altLang="zh-CN" sz="2800" dirty="0" smtClean="0">
+              <a:solidFill>
+                <a:schemeClr val="tx2"/>
+              </a:solidFill>
+              <a:latin typeface="微软雅黑" panose="020B0503020204020204" charset="-122"/>
+              <a:ea typeface="微软雅黑" panose="020B0503020204020204" charset="-122"/>
+              <a:cs typeface="微软雅黑" panose="020B0503020204020204" charset="-122"/>
+            </a:endParaRPr>
           </a:p>
         </p:txBody>
       </p:sp>
@@ -8704,7 +9489,7 @@
   <p:cSld>
     <p:spTree>
       <p:nvGrpSpPr>
-        <p:cNvPr id="1" name="Shape 172"/>
+        <p:cNvPr id="172" name="Shape 172"/>
         <p:cNvGrpSpPr/>
         <p:nvPr/>
       </p:nvGrpSpPr>
@@ -8763,6 +9548,15 @@
               </a:rPr>
               <a:t>View</a:t>
             </a:r>
+            <a:endParaRPr lang="en-GB" sz="1350" b="1">
+              <a:solidFill>
+                <a:srgbClr val="34495E"/>
+              </a:solidFill>
+              <a:latin typeface="Source Sans Pro"/>
+              <a:ea typeface="Source Sans Pro"/>
+              <a:cs typeface="Source Sans Pro"/>
+              <a:sym typeface="Source Sans Pro"/>
+            </a:endParaRPr>
           </a:p>
         </p:txBody>
       </p:sp>
@@ -8856,6 +9650,15 @@
               </a:rPr>
               <a:t>Model</a:t>
             </a:r>
+            <a:endParaRPr lang="en-GB" sz="1350" b="1">
+              <a:solidFill>
+                <a:srgbClr val="FFFFFF"/>
+              </a:solidFill>
+              <a:latin typeface="Source Sans Pro"/>
+              <a:ea typeface="Source Sans Pro"/>
+              <a:cs typeface="Source Sans Pro"/>
+              <a:sym typeface="Source Sans Pro"/>
+            </a:endParaRPr>
           </a:p>
         </p:txBody>
       </p:sp>
@@ -9010,6 +9813,15 @@
               </a:rPr>
               <a:t>DOM Listeners</a:t>
             </a:r>
+            <a:endParaRPr lang="en-GB" sz="1350" b="1">
+              <a:solidFill>
+                <a:srgbClr val="FFFFFF"/>
+              </a:solidFill>
+              <a:latin typeface="Source Sans Pro"/>
+              <a:ea typeface="Source Sans Pro"/>
+              <a:cs typeface="Source Sans Pro"/>
+              <a:sym typeface="Source Sans Pro"/>
+            </a:endParaRPr>
           </a:p>
         </p:txBody>
       </p:sp>
@@ -9060,6 +9872,15 @@
               </a:rPr>
               <a:t>Directives</a:t>
             </a:r>
+            <a:endParaRPr lang="en-GB" sz="1350" b="1">
+              <a:solidFill>
+                <a:srgbClr val="34495E"/>
+              </a:solidFill>
+              <a:latin typeface="Source Sans Pro"/>
+              <a:ea typeface="Source Sans Pro"/>
+              <a:cs typeface="Source Sans Pro"/>
+              <a:sym typeface="Source Sans Pro"/>
+            </a:endParaRPr>
           </a:p>
         </p:txBody>
       </p:sp>
@@ -9106,6 +9927,15 @@
               </a:rPr>
               <a:t>ViewModel</a:t>
             </a:r>
+            <a:endParaRPr lang="en-GB" sz="1350" b="1">
+              <a:solidFill>
+                <a:srgbClr val="FFFFFF"/>
+              </a:solidFill>
+              <a:latin typeface="Source Sans Pro"/>
+              <a:ea typeface="Source Sans Pro"/>
+              <a:cs typeface="Source Sans Pro"/>
+              <a:sym typeface="Source Sans Pro"/>
+            </a:endParaRPr>
           </a:p>
         </p:txBody>
       </p:sp>
@@ -9148,6 +9978,11 @@
               </a:rPr>
               <a:t>应用逻辑全部是数据操作</a:t>
             </a:r>
+            <a:endParaRPr lang="en-GB" sz="1350" b="1">
+              <a:solidFill>
+                <a:srgbClr val="42B983"/>
+              </a:solidFill>
+            </a:endParaRPr>
           </a:p>
         </p:txBody>
       </p:sp>
@@ -9222,6 +10057,15 @@
               </a:rPr>
               <a:t>DOM 操作封装在指令中</a:t>
             </a:r>
+            <a:endParaRPr lang="en-GB" sz="1350" b="1">
+              <a:solidFill>
+                <a:srgbClr val="42B983"/>
+              </a:solidFill>
+              <a:latin typeface="Source Sans Pro"/>
+              <a:ea typeface="Source Sans Pro"/>
+              <a:cs typeface="Source Sans Pro"/>
+              <a:sym typeface="Source Sans Pro"/>
+            </a:endParaRPr>
           </a:p>
         </p:txBody>
       </p:sp>
@@ -9471,7 +10315,6 @@
           <a:p>
             <a:fld id="{66BA2CA0-7482-E041-A3A2-16017A68AF1E}" type="slidenum">
               <a:rPr kumimoji="1" lang="zh-CN" altLang="en-US" smtClean="0"/>
-              <a:t>8</a:t>
             </a:fld>
             <a:endParaRPr kumimoji="1" lang="zh-CN" altLang="en-US" dirty="0"/>
           </a:p>
@@ -9651,6 +10494,16 @@
               </a:rPr>
               <a:t> </a:t>
             </a:r>
+            <a:endParaRPr kumimoji="1" lang="en-US" altLang="zh-CN" sz="1100" dirty="0" smtClean="0">
+              <a:solidFill>
+                <a:schemeClr val="bg1">
+                  <a:lumMod val="65000"/>
+                </a:schemeClr>
+              </a:solidFill>
+              <a:latin typeface="微软雅黑" panose="020B0503020204020204" charset="-122"/>
+              <a:ea typeface="微软雅黑" panose="020B0503020204020204" charset="-122"/>
+              <a:cs typeface="微软雅黑" panose="020B0503020204020204" charset="-122"/>
+            </a:endParaRPr>
           </a:p>
           <a:p>
             <a:pPr>
@@ -9754,6 +10607,16 @@
               </a:rPr>
               <a:t> </a:t>
             </a:r>
+            <a:endParaRPr kumimoji="1" lang="en-US" altLang="zh-CN" sz="1100" dirty="0" smtClean="0">
+              <a:solidFill>
+                <a:schemeClr val="bg1">
+                  <a:lumMod val="65000"/>
+                </a:schemeClr>
+              </a:solidFill>
+              <a:latin typeface="微软雅黑" panose="020B0503020204020204" charset="-122"/>
+              <a:ea typeface="微软雅黑" panose="020B0503020204020204" charset="-122"/>
+              <a:cs typeface="微软雅黑" panose="020B0503020204020204" charset="-122"/>
+            </a:endParaRPr>
           </a:p>
           <a:p>
             <a:pPr>
@@ -9844,6 +10707,16 @@
               </a:rPr>
               <a:t>用解耦、可复用的组件来构造界面。</a:t>
             </a:r>
+            <a:endParaRPr kumimoji="1" lang="zh-CN" altLang="en-US" sz="1100" dirty="0" smtClean="0">
+              <a:solidFill>
+                <a:schemeClr val="bg1">
+                  <a:lumMod val="65000"/>
+                </a:schemeClr>
+              </a:solidFill>
+              <a:latin typeface="微软雅黑" panose="020B0503020204020204" charset="-122"/>
+              <a:ea typeface="微软雅黑" panose="020B0503020204020204" charset="-122"/>
+              <a:cs typeface="微软雅黑" panose="020B0503020204020204" charset="-122"/>
+            </a:endParaRPr>
           </a:p>
           <a:p>
             <a:pPr>
@@ -9864,6 +10737,16 @@
               </a:rPr>
               <a:t> </a:t>
             </a:r>
+            <a:endParaRPr kumimoji="1" lang="en-US" altLang="zh-CN" sz="1100" dirty="0" smtClean="0">
+              <a:solidFill>
+                <a:schemeClr val="bg1">
+                  <a:lumMod val="65000"/>
+                </a:schemeClr>
+              </a:solidFill>
+              <a:latin typeface="微软雅黑" panose="020B0503020204020204" charset="-122"/>
+              <a:ea typeface="微软雅黑" panose="020B0503020204020204" charset="-122"/>
+              <a:cs typeface="微软雅黑" panose="020B0503020204020204" charset="-122"/>
+            </a:endParaRPr>
           </a:p>
           <a:p>
             <a:pPr>
@@ -10123,7 +11006,7 @@
         <p:spPr>
           <a:xfrm>
             <a:off x="3469420" y="2759661"/>
-            <a:ext cx="2378907" cy="1160061"/>
+            <a:ext cx="2378907" cy="1172845"/>
           </a:xfrm>
           <a:prstGeom prst="rect">
             <a:avLst/>
@@ -10154,7 +11037,7 @@
                 <a:ea typeface="微软雅黑" panose="020B0503020204020204" charset="-122"/>
                 <a:cs typeface="微软雅黑" panose="020B0503020204020204" charset="-122"/>
               </a:rPr>
-              <a:t>简介</a:t>
+              <a:t>快速</a:t>
             </a:r>
             <a:endParaRPr kumimoji="1" lang="zh-CN" altLang="en-US" sz="1100" dirty="0" smtClean="0">
               <a:solidFill>
@@ -10210,6 +11093,16 @@
               </a:rPr>
               <a:t>更新。</a:t>
             </a:r>
+            <a:endParaRPr kumimoji="1" lang="zh-CN" altLang="en-US" sz="1100" dirty="0" smtClean="0">
+              <a:solidFill>
+                <a:schemeClr val="bg1">
+                  <a:lumMod val="65000"/>
+                </a:schemeClr>
+              </a:solidFill>
+              <a:latin typeface="微软雅黑" panose="020B0503020204020204" charset="-122"/>
+              <a:ea typeface="微软雅黑" panose="020B0503020204020204" charset="-122"/>
+              <a:cs typeface="微软雅黑" panose="020B0503020204020204" charset="-122"/>
+            </a:endParaRPr>
           </a:p>
           <a:p>
             <a:pPr>
@@ -10256,7 +11149,7 @@
         <p:spPr>
           <a:xfrm>
             <a:off x="6282276" y="2769281"/>
-            <a:ext cx="2398150" cy="1160061"/>
+            <a:ext cx="2398150" cy="1172845"/>
           </a:xfrm>
           <a:prstGeom prst="rect">
             <a:avLst/>
@@ -10287,7 +11180,7 @@
                 <a:ea typeface="微软雅黑" panose="020B0503020204020204" charset="-122"/>
                 <a:cs typeface="微软雅黑" panose="020B0503020204020204" charset="-122"/>
               </a:rPr>
-              <a:t>简介</a:t>
+              <a:t>模块友好</a:t>
             </a:r>
             <a:endParaRPr kumimoji="1" lang="zh-CN" altLang="en-US" sz="1100" dirty="0" smtClean="0">
               <a:solidFill>
@@ -10369,6 +11262,16 @@
               </a:rPr>
               <a:t>安装，无缝融入你的工作流。</a:t>
             </a:r>
+            <a:endParaRPr kumimoji="1" lang="zh-CN" altLang="en-US" sz="1100" dirty="0" smtClean="0">
+              <a:solidFill>
+                <a:schemeClr val="bg1">
+                  <a:lumMod val="65000"/>
+                </a:schemeClr>
+              </a:solidFill>
+              <a:latin typeface="微软雅黑" panose="020B0503020204020204" charset="-122"/>
+              <a:ea typeface="微软雅黑" panose="020B0503020204020204" charset="-122"/>
+              <a:cs typeface="微软雅黑" panose="020B0503020204020204" charset="-122"/>
+            </a:endParaRPr>
           </a:p>
           <a:p>
             <a:pPr>
@@ -10516,7 +11419,6 @@
           <a:p>
             <a:fld id="{66BA2CA0-7482-E041-A3A2-16017A68AF1E}" type="slidenum">
               <a:rPr kumimoji="1" lang="zh-CN" altLang="en-US" smtClean="0"/>
-              <a:t>9</a:t>
             </a:fld>
             <a:endParaRPr kumimoji="1" lang="zh-CN" altLang="en-US" dirty="0"/>
           </a:p>
@@ -10757,6 +11659,11 @@
               </a:rPr>
               <a:t>月。目前通用的版本有：</a:t>
             </a:r>
+            <a:endParaRPr lang="zh-CN" altLang="en-US" sz="1800" dirty="0" smtClean="0">
+              <a:solidFill>
+                <a:schemeClr val="tx1"/>
+              </a:solidFill>
+            </a:endParaRPr>
           </a:p>
           <a:p>
             <a:pPr algn="l">
@@ -10791,6 +11698,11 @@
               </a:rPr>
               <a:t>Vue.js 0.11   </a:t>
             </a:r>
+            <a:endParaRPr lang="hr-HR" altLang="zh-CN" sz="1800" dirty="0" smtClean="0">
+              <a:solidFill>
+                <a:srgbClr val="000000"/>
+              </a:solidFill>
+            </a:endParaRPr>
           </a:p>
           <a:p>
             <a:pPr algn="l">
@@ -10817,6 +11729,11 @@
               </a:rPr>
               <a:t>2</a:t>
             </a:r>
+            <a:endParaRPr lang="en-US" altLang="zh-CN" sz="1800" dirty="0" smtClean="0">
+              <a:solidFill>
+                <a:srgbClr val="000000"/>
+              </a:solidFill>
+            </a:endParaRPr>
           </a:p>
           <a:p>
             <a:pPr algn="l">
